--- a/3sem/DSA/cw/presentation.pptx
+++ b/3sem/DSA/cw/presentation.pptx
@@ -45,7 +45,7 @@
             <a:spLocks noGrp="1"/>
           </p:cNvSpPr>
           <p:nvPr>
-            <p:ph type="ftr" idx="2"/>
+            <p:ph type="ftr" idx="1"/>
           </p:nvPr>
         </p:nvSpPr>
         <p:spPr/>
@@ -65,14 +65,14 @@
             <a:spLocks noGrp="1"/>
           </p:cNvSpPr>
           <p:nvPr>
-            <p:ph type="sldNum" idx="3"/>
+            <p:ph type="sldNum" idx="2"/>
           </p:nvPr>
         </p:nvSpPr>
         <p:spPr/>
         <p:txBody>
           <a:bodyPr/>
           <a:p>
-            <a:fld id="{CB3BB61C-2225-472C-BBA6-7C35900B1A50}" type="slidenum">
+            <a:fld id="{DB87C311-153A-4CAB-8D08-555FF6A99BB2}" type="slidenum">
               <a:t>&lt;#&gt;</a:t>
             </a:fld>
           </a:p>
@@ -85,7 +85,7 @@
             <a:spLocks noGrp="1"/>
           </p:cNvSpPr>
           <p:nvPr>
-            <p:ph type="dt" idx="1"/>
+            <p:ph type="dt" idx="3"/>
           </p:nvPr>
         </p:nvSpPr>
         <p:spPr/>
@@ -134,7 +134,7 @@
         <p:spPr>
           <a:xfrm>
             <a:off x="680400" y="2733840"/>
-            <a:ext cx="8143920" cy="1372680"/>
+            <a:ext cx="8143560" cy="1372320"/>
           </a:xfrm>
           <a:prstGeom prst="rect">
             <a:avLst/>
@@ -149,11 +149,11 @@
             <a:noAutofit/>
           </a:bodyPr>
           <a:p>
-            <a:endParaRPr b="0" lang="en-US" sz="1800" spc="-1" strike="noStrike">
-              <a:solidFill>
-                <a:srgbClr val="ffffff"/>
-              </a:solidFill>
-              <a:latin typeface="Trebuchet MS"/>
+            <a:pPr algn="ctr">
+              <a:buNone/>
+            </a:pPr>
+            <a:endParaRPr b="0" lang="en-US" sz="4400" spc="-1" strike="noStrike">
+              <a:latin typeface="Arial"/>
             </a:endParaRPr>
           </a:p>
         </p:txBody>
@@ -186,20 +186,8 @@
             <a:normAutofit/>
           </a:bodyPr>
           <a:p>
-            <a:pPr>
-              <a:lnSpc>
-                <a:spcPct val="90000"/>
-              </a:lnSpc>
-              <a:spcBef>
-                <a:spcPts val="1417"/>
-              </a:spcBef>
-              <a:buNone/>
-            </a:pPr>
-            <a:endParaRPr b="0" lang="en-US" sz="2400" spc="-1" strike="noStrike">
-              <a:solidFill>
-                <a:srgbClr val="ffffff"/>
-              </a:solidFill>
-              <a:latin typeface="Trebuchet MS"/>
+            <a:endParaRPr b="0" lang="en-US" sz="3200" spc="-1" strike="noStrike">
+              <a:latin typeface="Arial"/>
             </a:endParaRPr>
           </a:p>
         </p:txBody>
@@ -232,20 +220,8 @@
             <a:normAutofit/>
           </a:bodyPr>
           <a:p>
-            <a:pPr>
-              <a:lnSpc>
-                <a:spcPct val="90000"/>
-              </a:lnSpc>
-              <a:spcBef>
-                <a:spcPts val="1417"/>
-              </a:spcBef>
-              <a:buNone/>
-            </a:pPr>
-            <a:endParaRPr b="0" lang="en-US" sz="2400" spc="-1" strike="noStrike">
-              <a:solidFill>
-                <a:srgbClr val="ffffff"/>
-              </a:solidFill>
-              <a:latin typeface="Trebuchet MS"/>
+            <a:endParaRPr b="0" lang="en-US" sz="3200" spc="-1" strike="noStrike">
+              <a:latin typeface="Arial"/>
             </a:endParaRPr>
           </a:p>
         </p:txBody>
@@ -257,7 +233,7 @@
             <a:spLocks noGrp="1"/>
           </p:cNvSpPr>
           <p:nvPr>
-            <p:ph type="ftr" idx="2"/>
+            <p:ph type="ftr" idx="1"/>
           </p:nvPr>
         </p:nvSpPr>
         <p:spPr/>
@@ -277,14 +253,14 @@
             <a:spLocks noGrp="1"/>
           </p:cNvSpPr>
           <p:nvPr>
-            <p:ph type="sldNum" idx="3"/>
+            <p:ph type="sldNum" idx="2"/>
           </p:nvPr>
         </p:nvSpPr>
         <p:spPr/>
         <p:txBody>
           <a:bodyPr/>
           <a:p>
-            <a:fld id="{FF976094-B03F-47AE-8C13-F51022CF585F}" type="slidenum">
+            <a:fld id="{F95E0F93-5A0D-4013-BCA9-DEE9EBEB52A6}" type="slidenum">
               <a:t>&lt;#&gt;</a:t>
             </a:fld>
           </a:p>
@@ -297,7 +273,7 @@
             <a:spLocks noGrp="1"/>
           </p:cNvSpPr>
           <p:nvPr>
-            <p:ph type="dt" idx="1"/>
+            <p:ph type="dt" idx="3"/>
           </p:nvPr>
         </p:nvSpPr>
         <p:spPr/>
@@ -346,7 +322,7 @@
         <p:spPr>
           <a:xfrm>
             <a:off x="680400" y="2733840"/>
-            <a:ext cx="8143920" cy="1372680"/>
+            <a:ext cx="8143560" cy="1372320"/>
           </a:xfrm>
           <a:prstGeom prst="rect">
             <a:avLst/>
@@ -361,11 +337,11 @@
             <a:noAutofit/>
           </a:bodyPr>
           <a:p>
-            <a:endParaRPr b="0" lang="en-US" sz="1800" spc="-1" strike="noStrike">
-              <a:solidFill>
-                <a:srgbClr val="ffffff"/>
-              </a:solidFill>
-              <a:latin typeface="Trebuchet MS"/>
+            <a:pPr algn="ctr">
+              <a:buNone/>
+            </a:pPr>
+            <a:endParaRPr b="0" lang="en-US" sz="4400" spc="-1" strike="noStrike">
+              <a:latin typeface="Arial"/>
             </a:endParaRPr>
           </a:p>
         </p:txBody>
@@ -398,20 +374,8 @@
             <a:normAutofit/>
           </a:bodyPr>
           <a:p>
-            <a:pPr>
-              <a:lnSpc>
-                <a:spcPct val="90000"/>
-              </a:lnSpc>
-              <a:spcBef>
-                <a:spcPts val="1417"/>
-              </a:spcBef>
-              <a:buNone/>
-            </a:pPr>
-            <a:endParaRPr b="0" lang="en-US" sz="2400" spc="-1" strike="noStrike">
-              <a:solidFill>
-                <a:srgbClr val="ffffff"/>
-              </a:solidFill>
-              <a:latin typeface="Trebuchet MS"/>
+            <a:endParaRPr b="0" lang="en-US" sz="3200" spc="-1" strike="noStrike">
+              <a:latin typeface="Arial"/>
             </a:endParaRPr>
           </a:p>
         </p:txBody>
@@ -444,20 +408,8 @@
             <a:normAutofit/>
           </a:bodyPr>
           <a:p>
-            <a:pPr>
-              <a:lnSpc>
-                <a:spcPct val="90000"/>
-              </a:lnSpc>
-              <a:spcBef>
-                <a:spcPts val="1417"/>
-              </a:spcBef>
-              <a:buNone/>
-            </a:pPr>
-            <a:endParaRPr b="0" lang="en-US" sz="2400" spc="-1" strike="noStrike">
-              <a:solidFill>
-                <a:srgbClr val="ffffff"/>
-              </a:solidFill>
-              <a:latin typeface="Trebuchet MS"/>
+            <a:endParaRPr b="0" lang="en-US" sz="3200" spc="-1" strike="noStrike">
+              <a:latin typeface="Arial"/>
             </a:endParaRPr>
           </a:p>
         </p:txBody>
@@ -490,20 +442,8 @@
             <a:normAutofit/>
           </a:bodyPr>
           <a:p>
-            <a:pPr>
-              <a:lnSpc>
-                <a:spcPct val="90000"/>
-              </a:lnSpc>
-              <a:spcBef>
-                <a:spcPts val="1417"/>
-              </a:spcBef>
-              <a:buNone/>
-            </a:pPr>
-            <a:endParaRPr b="0" lang="en-US" sz="2400" spc="-1" strike="noStrike">
-              <a:solidFill>
-                <a:srgbClr val="ffffff"/>
-              </a:solidFill>
-              <a:latin typeface="Trebuchet MS"/>
+            <a:endParaRPr b="0" lang="en-US" sz="3200" spc="-1" strike="noStrike">
+              <a:latin typeface="Arial"/>
             </a:endParaRPr>
           </a:p>
         </p:txBody>
@@ -536,20 +476,8 @@
             <a:normAutofit/>
           </a:bodyPr>
           <a:p>
-            <a:pPr>
-              <a:lnSpc>
-                <a:spcPct val="90000"/>
-              </a:lnSpc>
-              <a:spcBef>
-                <a:spcPts val="1417"/>
-              </a:spcBef>
-              <a:buNone/>
-            </a:pPr>
-            <a:endParaRPr b="0" lang="en-US" sz="2400" spc="-1" strike="noStrike">
-              <a:solidFill>
-                <a:srgbClr val="ffffff"/>
-              </a:solidFill>
-              <a:latin typeface="Trebuchet MS"/>
+            <a:endParaRPr b="0" lang="en-US" sz="3200" spc="-1" strike="noStrike">
+              <a:latin typeface="Arial"/>
             </a:endParaRPr>
           </a:p>
         </p:txBody>
@@ -561,7 +489,7 @@
             <a:spLocks noGrp="1"/>
           </p:cNvSpPr>
           <p:nvPr>
-            <p:ph type="ftr" idx="2"/>
+            <p:ph type="ftr" idx="1"/>
           </p:nvPr>
         </p:nvSpPr>
         <p:spPr/>
@@ -581,14 +509,14 @@
             <a:spLocks noGrp="1"/>
           </p:cNvSpPr>
           <p:nvPr>
-            <p:ph type="sldNum" idx="3"/>
+            <p:ph type="sldNum" idx="2"/>
           </p:nvPr>
         </p:nvSpPr>
         <p:spPr/>
         <p:txBody>
           <a:bodyPr/>
           <a:p>
-            <a:fld id="{A1A7FAEC-464A-4F64-AFCD-203BA93F329A}" type="slidenum">
+            <a:fld id="{C1C8D84C-4456-4BB2-9F24-B0EB79FD25B1}" type="slidenum">
               <a:t>&lt;#&gt;</a:t>
             </a:fld>
           </a:p>
@@ -601,7 +529,7 @@
             <a:spLocks noGrp="1"/>
           </p:cNvSpPr>
           <p:nvPr>
-            <p:ph type="dt" idx="1"/>
+            <p:ph type="dt" idx="3"/>
           </p:nvPr>
         </p:nvSpPr>
         <p:spPr/>
@@ -650,7 +578,7 @@
         <p:spPr>
           <a:xfrm>
             <a:off x="680400" y="2733840"/>
-            <a:ext cx="8143920" cy="1372680"/>
+            <a:ext cx="8143560" cy="1372320"/>
           </a:xfrm>
           <a:prstGeom prst="rect">
             <a:avLst/>
@@ -665,11 +593,11 @@
             <a:noAutofit/>
           </a:bodyPr>
           <a:p>
-            <a:endParaRPr b="0" lang="en-US" sz="1800" spc="-1" strike="noStrike">
-              <a:solidFill>
-                <a:srgbClr val="ffffff"/>
-              </a:solidFill>
-              <a:latin typeface="Trebuchet MS"/>
+            <a:pPr algn="ctr">
+              <a:buNone/>
+            </a:pPr>
+            <a:endParaRPr b="0" lang="en-US" sz="4400" spc="-1" strike="noStrike">
+              <a:latin typeface="Arial"/>
             </a:endParaRPr>
           </a:p>
         </p:txBody>
@@ -702,20 +630,8 @@
             <a:normAutofit/>
           </a:bodyPr>
           <a:p>
-            <a:pPr>
-              <a:lnSpc>
-                <a:spcPct val="90000"/>
-              </a:lnSpc>
-              <a:spcBef>
-                <a:spcPts val="1417"/>
-              </a:spcBef>
-              <a:buNone/>
-            </a:pPr>
-            <a:endParaRPr b="0" lang="en-US" sz="2400" spc="-1" strike="noStrike">
-              <a:solidFill>
-                <a:srgbClr val="ffffff"/>
-              </a:solidFill>
-              <a:latin typeface="Trebuchet MS"/>
+            <a:endParaRPr b="0" lang="en-US" sz="3200" spc="-1" strike="noStrike">
+              <a:latin typeface="Arial"/>
             </a:endParaRPr>
           </a:p>
         </p:txBody>
@@ -748,20 +664,8 @@
             <a:normAutofit/>
           </a:bodyPr>
           <a:p>
-            <a:pPr>
-              <a:lnSpc>
-                <a:spcPct val="90000"/>
-              </a:lnSpc>
-              <a:spcBef>
-                <a:spcPts val="1417"/>
-              </a:spcBef>
-              <a:buNone/>
-            </a:pPr>
-            <a:endParaRPr b="0" lang="en-US" sz="2400" spc="-1" strike="noStrike">
-              <a:solidFill>
-                <a:srgbClr val="ffffff"/>
-              </a:solidFill>
-              <a:latin typeface="Trebuchet MS"/>
+            <a:endParaRPr b="0" lang="en-US" sz="3200" spc="-1" strike="noStrike">
+              <a:latin typeface="Arial"/>
             </a:endParaRPr>
           </a:p>
         </p:txBody>
@@ -794,20 +698,8 @@
             <a:normAutofit/>
           </a:bodyPr>
           <a:p>
-            <a:pPr>
-              <a:lnSpc>
-                <a:spcPct val="90000"/>
-              </a:lnSpc>
-              <a:spcBef>
-                <a:spcPts val="1417"/>
-              </a:spcBef>
-              <a:buNone/>
-            </a:pPr>
-            <a:endParaRPr b="0" lang="en-US" sz="2400" spc="-1" strike="noStrike">
-              <a:solidFill>
-                <a:srgbClr val="ffffff"/>
-              </a:solidFill>
-              <a:latin typeface="Trebuchet MS"/>
+            <a:endParaRPr b="0" lang="en-US" sz="3200" spc="-1" strike="noStrike">
+              <a:latin typeface="Arial"/>
             </a:endParaRPr>
           </a:p>
         </p:txBody>
@@ -840,20 +732,8 @@
             <a:normAutofit/>
           </a:bodyPr>
           <a:p>
-            <a:pPr>
-              <a:lnSpc>
-                <a:spcPct val="90000"/>
-              </a:lnSpc>
-              <a:spcBef>
-                <a:spcPts val="1417"/>
-              </a:spcBef>
-              <a:buNone/>
-            </a:pPr>
-            <a:endParaRPr b="0" lang="en-US" sz="2400" spc="-1" strike="noStrike">
-              <a:solidFill>
-                <a:srgbClr val="ffffff"/>
-              </a:solidFill>
-              <a:latin typeface="Trebuchet MS"/>
+            <a:endParaRPr b="0" lang="en-US" sz="3200" spc="-1" strike="noStrike">
+              <a:latin typeface="Arial"/>
             </a:endParaRPr>
           </a:p>
         </p:txBody>
@@ -886,20 +766,8 @@
             <a:normAutofit/>
           </a:bodyPr>
           <a:p>
-            <a:pPr>
-              <a:lnSpc>
-                <a:spcPct val="90000"/>
-              </a:lnSpc>
-              <a:spcBef>
-                <a:spcPts val="1417"/>
-              </a:spcBef>
-              <a:buNone/>
-            </a:pPr>
-            <a:endParaRPr b="0" lang="en-US" sz="2400" spc="-1" strike="noStrike">
-              <a:solidFill>
-                <a:srgbClr val="ffffff"/>
-              </a:solidFill>
-              <a:latin typeface="Trebuchet MS"/>
+            <a:endParaRPr b="0" lang="en-US" sz="3200" spc="-1" strike="noStrike">
+              <a:latin typeface="Arial"/>
             </a:endParaRPr>
           </a:p>
         </p:txBody>
@@ -932,20 +800,8 @@
             <a:normAutofit/>
           </a:bodyPr>
           <a:p>
-            <a:pPr>
-              <a:lnSpc>
-                <a:spcPct val="90000"/>
-              </a:lnSpc>
-              <a:spcBef>
-                <a:spcPts val="1417"/>
-              </a:spcBef>
-              <a:buNone/>
-            </a:pPr>
-            <a:endParaRPr b="0" lang="en-US" sz="2400" spc="-1" strike="noStrike">
-              <a:solidFill>
-                <a:srgbClr val="ffffff"/>
-              </a:solidFill>
-              <a:latin typeface="Trebuchet MS"/>
+            <a:endParaRPr b="0" lang="en-US" sz="3200" spc="-1" strike="noStrike">
+              <a:latin typeface="Arial"/>
             </a:endParaRPr>
           </a:p>
         </p:txBody>
@@ -957,7 +813,7 @@
             <a:spLocks noGrp="1"/>
           </p:cNvSpPr>
           <p:nvPr>
-            <p:ph type="ftr" idx="2"/>
+            <p:ph type="ftr" idx="1"/>
           </p:nvPr>
         </p:nvSpPr>
         <p:spPr/>
@@ -977,14 +833,14 @@
             <a:spLocks noGrp="1"/>
           </p:cNvSpPr>
           <p:nvPr>
-            <p:ph type="sldNum" idx="3"/>
+            <p:ph type="sldNum" idx="2"/>
           </p:nvPr>
         </p:nvSpPr>
         <p:spPr/>
         <p:txBody>
           <a:bodyPr/>
           <a:p>
-            <a:fld id="{BA9F667E-6AED-4559-91F9-95AD49AEA104}" type="slidenum">
+            <a:fld id="{F39F67DF-45F9-4032-AE98-A9A91F3C6AA4}" type="slidenum">
               <a:t>&lt;#&gt;</a:t>
             </a:fld>
           </a:p>
@@ -997,7 +853,7 @@
             <a:spLocks noGrp="1"/>
           </p:cNvSpPr>
           <p:nvPr>
-            <p:ph type="dt" idx="1"/>
+            <p:ph type="dt" idx="3"/>
           </p:nvPr>
         </p:nvSpPr>
         <p:spPr/>
@@ -1040,7 +896,7 @@
             <a:spLocks noGrp="1"/>
           </p:cNvSpPr>
           <p:nvPr>
-            <p:ph type="ftr" idx="5"/>
+            <p:ph type="ftr" idx="4"/>
           </p:nvPr>
         </p:nvSpPr>
         <p:spPr/>
@@ -1060,14 +916,14 @@
             <a:spLocks noGrp="1"/>
           </p:cNvSpPr>
           <p:nvPr>
-            <p:ph type="sldNum" idx="6"/>
+            <p:ph type="sldNum" idx="5"/>
           </p:nvPr>
         </p:nvSpPr>
         <p:spPr/>
         <p:txBody>
           <a:bodyPr/>
           <a:p>
-            <a:fld id="{3D6E5D7F-63DE-4DDF-B55B-0D0969CA9F98}" type="slidenum">
+            <a:fld id="{DC8300B0-C8DB-4288-8D92-3EFEDD931544}" type="slidenum">
               <a:t>&lt;#&gt;</a:t>
             </a:fld>
           </a:p>
@@ -1080,7 +936,7 @@
             <a:spLocks noGrp="1"/>
           </p:cNvSpPr>
           <p:nvPr>
-            <p:ph type="dt" idx="4"/>
+            <p:ph type="dt" idx="6"/>
           </p:nvPr>
         </p:nvSpPr>
         <p:spPr/>
@@ -1129,7 +985,7 @@
         <p:spPr>
           <a:xfrm>
             <a:off x="680400" y="2733840"/>
-            <a:ext cx="8143920" cy="1372680"/>
+            <a:ext cx="8143560" cy="1372320"/>
           </a:xfrm>
           <a:prstGeom prst="rect">
             <a:avLst/>
@@ -1144,11 +1000,11 @@
             <a:noAutofit/>
           </a:bodyPr>
           <a:p>
-            <a:endParaRPr b="0" lang="en-US" sz="1800" spc="-1" strike="noStrike">
-              <a:solidFill>
-                <a:srgbClr val="ffffff"/>
-              </a:solidFill>
-              <a:latin typeface="Trebuchet MS"/>
+            <a:pPr algn="ctr">
+              <a:buNone/>
+            </a:pPr>
+            <a:endParaRPr b="0" lang="en-US" sz="4400" spc="-1" strike="noStrike">
+              <a:latin typeface="Arial"/>
             </a:endParaRPr>
           </a:p>
         </p:txBody>
@@ -1197,7 +1053,7 @@
             <a:spLocks noGrp="1"/>
           </p:cNvSpPr>
           <p:nvPr>
-            <p:ph type="ftr" idx="5"/>
+            <p:ph type="ftr" idx="4"/>
           </p:nvPr>
         </p:nvSpPr>
         <p:spPr/>
@@ -1217,14 +1073,14 @@
             <a:spLocks noGrp="1"/>
           </p:cNvSpPr>
           <p:nvPr>
-            <p:ph type="sldNum" idx="6"/>
+            <p:ph type="sldNum" idx="5"/>
           </p:nvPr>
         </p:nvSpPr>
         <p:spPr/>
         <p:txBody>
           <a:bodyPr/>
           <a:p>
-            <a:fld id="{F4145E3A-6EC9-4781-BE78-7718762A77F6}" type="slidenum">
+            <a:fld id="{F570987B-7588-4264-B0BE-421DC080F2F3}" type="slidenum">
               <a:t>&lt;#&gt;</a:t>
             </a:fld>
           </a:p>
@@ -1237,7 +1093,7 @@
             <a:spLocks noGrp="1"/>
           </p:cNvSpPr>
           <p:nvPr>
-            <p:ph type="dt" idx="4"/>
+            <p:ph type="dt" idx="6"/>
           </p:nvPr>
         </p:nvSpPr>
         <p:spPr/>
@@ -1286,7 +1142,7 @@
         <p:spPr>
           <a:xfrm>
             <a:off x="680400" y="2733840"/>
-            <a:ext cx="8143920" cy="1372680"/>
+            <a:ext cx="8143560" cy="1372320"/>
           </a:xfrm>
           <a:prstGeom prst="rect">
             <a:avLst/>
@@ -1301,11 +1157,11 @@
             <a:noAutofit/>
           </a:bodyPr>
           <a:p>
-            <a:endParaRPr b="0" lang="en-US" sz="1800" spc="-1" strike="noStrike">
-              <a:solidFill>
-                <a:srgbClr val="ffffff"/>
-              </a:solidFill>
-              <a:latin typeface="Trebuchet MS"/>
+            <a:pPr algn="ctr">
+              <a:buNone/>
+            </a:pPr>
+            <a:endParaRPr b="0" lang="en-US" sz="4400" spc="-1" strike="noStrike">
+              <a:latin typeface="Arial"/>
             </a:endParaRPr>
           </a:p>
         </p:txBody>
@@ -1338,20 +1194,8 @@
             <a:normAutofit/>
           </a:bodyPr>
           <a:p>
-            <a:pPr>
-              <a:lnSpc>
-                <a:spcPct val="90000"/>
-              </a:lnSpc>
-              <a:spcBef>
-                <a:spcPts val="1417"/>
-              </a:spcBef>
-              <a:buNone/>
-            </a:pPr>
-            <a:endParaRPr b="0" lang="en-US" sz="2400" spc="-1" strike="noStrike">
-              <a:solidFill>
-                <a:srgbClr val="ffffff"/>
-              </a:solidFill>
-              <a:latin typeface="Trebuchet MS"/>
+            <a:endParaRPr b="0" lang="en-US" sz="3200" spc="-1" strike="noStrike">
+              <a:latin typeface="Arial"/>
             </a:endParaRPr>
           </a:p>
         </p:txBody>
@@ -1363,7 +1207,7 @@
             <a:spLocks noGrp="1"/>
           </p:cNvSpPr>
           <p:nvPr>
-            <p:ph type="ftr" idx="5"/>
+            <p:ph type="ftr" idx="4"/>
           </p:nvPr>
         </p:nvSpPr>
         <p:spPr/>
@@ -1383,14 +1227,14 @@
             <a:spLocks noGrp="1"/>
           </p:cNvSpPr>
           <p:nvPr>
-            <p:ph type="sldNum" idx="6"/>
+            <p:ph type="sldNum" idx="5"/>
           </p:nvPr>
         </p:nvSpPr>
         <p:spPr/>
         <p:txBody>
           <a:bodyPr/>
           <a:p>
-            <a:fld id="{5A9BB88F-CBD8-47EB-9FF4-8A1AACFFF9E7}" type="slidenum">
+            <a:fld id="{061378A0-12C4-4E3D-BD61-E42DF1E3AA2B}" type="slidenum">
               <a:t>&lt;#&gt;</a:t>
             </a:fld>
           </a:p>
@@ -1403,7 +1247,7 @@
             <a:spLocks noGrp="1"/>
           </p:cNvSpPr>
           <p:nvPr>
-            <p:ph type="dt" idx="4"/>
+            <p:ph type="dt" idx="6"/>
           </p:nvPr>
         </p:nvSpPr>
         <p:spPr/>
@@ -1452,7 +1296,7 @@
         <p:spPr>
           <a:xfrm>
             <a:off x="680400" y="2733840"/>
-            <a:ext cx="8143920" cy="1372680"/>
+            <a:ext cx="8143560" cy="1372320"/>
           </a:xfrm>
           <a:prstGeom prst="rect">
             <a:avLst/>
@@ -1467,11 +1311,11 @@
             <a:noAutofit/>
           </a:bodyPr>
           <a:p>
-            <a:endParaRPr b="0" lang="en-US" sz="1800" spc="-1" strike="noStrike">
-              <a:solidFill>
-                <a:srgbClr val="ffffff"/>
-              </a:solidFill>
-              <a:latin typeface="Trebuchet MS"/>
+            <a:pPr algn="ctr">
+              <a:buNone/>
+            </a:pPr>
+            <a:endParaRPr b="0" lang="en-US" sz="4400" spc="-1" strike="noStrike">
+              <a:latin typeface="Arial"/>
             </a:endParaRPr>
           </a:p>
         </p:txBody>
@@ -1504,20 +1348,8 @@
             <a:normAutofit/>
           </a:bodyPr>
           <a:p>
-            <a:pPr>
-              <a:lnSpc>
-                <a:spcPct val="90000"/>
-              </a:lnSpc>
-              <a:spcBef>
-                <a:spcPts val="1417"/>
-              </a:spcBef>
-              <a:buNone/>
-            </a:pPr>
-            <a:endParaRPr b="0" lang="en-US" sz="2400" spc="-1" strike="noStrike">
-              <a:solidFill>
-                <a:srgbClr val="ffffff"/>
-              </a:solidFill>
-              <a:latin typeface="Trebuchet MS"/>
+            <a:endParaRPr b="0" lang="en-US" sz="3200" spc="-1" strike="noStrike">
+              <a:latin typeface="Arial"/>
             </a:endParaRPr>
           </a:p>
         </p:txBody>
@@ -1550,20 +1382,8 @@
             <a:normAutofit/>
           </a:bodyPr>
           <a:p>
-            <a:pPr>
-              <a:lnSpc>
-                <a:spcPct val="90000"/>
-              </a:lnSpc>
-              <a:spcBef>
-                <a:spcPts val="1417"/>
-              </a:spcBef>
-              <a:buNone/>
-            </a:pPr>
-            <a:endParaRPr b="0" lang="en-US" sz="2400" spc="-1" strike="noStrike">
-              <a:solidFill>
-                <a:srgbClr val="ffffff"/>
-              </a:solidFill>
-              <a:latin typeface="Trebuchet MS"/>
+            <a:endParaRPr b="0" lang="en-US" sz="3200" spc="-1" strike="noStrike">
+              <a:latin typeface="Arial"/>
             </a:endParaRPr>
           </a:p>
         </p:txBody>
@@ -1575,7 +1395,7 @@
             <a:spLocks noGrp="1"/>
           </p:cNvSpPr>
           <p:nvPr>
-            <p:ph type="ftr" idx="5"/>
+            <p:ph type="ftr" idx="4"/>
           </p:nvPr>
         </p:nvSpPr>
         <p:spPr/>
@@ -1595,14 +1415,14 @@
             <a:spLocks noGrp="1"/>
           </p:cNvSpPr>
           <p:nvPr>
-            <p:ph type="sldNum" idx="6"/>
+            <p:ph type="sldNum" idx="5"/>
           </p:nvPr>
         </p:nvSpPr>
         <p:spPr/>
         <p:txBody>
           <a:bodyPr/>
           <a:p>
-            <a:fld id="{DE720E33-7A0D-4C96-9DC2-97DA3E460E11}" type="slidenum">
+            <a:fld id="{A5C66CA4-36AF-41F9-8379-4C4BADDD93C0}" type="slidenum">
               <a:t>&lt;#&gt;</a:t>
             </a:fld>
           </a:p>
@@ -1615,7 +1435,7 @@
             <a:spLocks noGrp="1"/>
           </p:cNvSpPr>
           <p:nvPr>
-            <p:ph type="dt" idx="4"/>
+            <p:ph type="dt" idx="6"/>
           </p:nvPr>
         </p:nvSpPr>
         <p:spPr/>
@@ -1664,7 +1484,7 @@
         <p:spPr>
           <a:xfrm>
             <a:off x="680400" y="2733840"/>
-            <a:ext cx="8143920" cy="1372680"/>
+            <a:ext cx="8143560" cy="1372320"/>
           </a:xfrm>
           <a:prstGeom prst="rect">
             <a:avLst/>
@@ -1679,11 +1499,11 @@
             <a:noAutofit/>
           </a:bodyPr>
           <a:p>
-            <a:endParaRPr b="0" lang="en-US" sz="1800" spc="-1" strike="noStrike">
-              <a:solidFill>
-                <a:srgbClr val="ffffff"/>
-              </a:solidFill>
-              <a:latin typeface="Trebuchet MS"/>
+            <a:pPr algn="ctr">
+              <a:buNone/>
+            </a:pPr>
+            <a:endParaRPr b="0" lang="en-US" sz="4400" spc="-1" strike="noStrike">
+              <a:latin typeface="Arial"/>
             </a:endParaRPr>
           </a:p>
         </p:txBody>
@@ -1695,7 +1515,7 @@
             <a:spLocks noGrp="1"/>
           </p:cNvSpPr>
           <p:nvPr>
-            <p:ph type="ftr" idx="5"/>
+            <p:ph type="ftr" idx="4"/>
           </p:nvPr>
         </p:nvSpPr>
         <p:spPr/>
@@ -1715,14 +1535,14 @@
             <a:spLocks noGrp="1"/>
           </p:cNvSpPr>
           <p:nvPr>
-            <p:ph type="sldNum" idx="6"/>
+            <p:ph type="sldNum" idx="5"/>
           </p:nvPr>
         </p:nvSpPr>
         <p:spPr/>
         <p:txBody>
           <a:bodyPr/>
           <a:p>
-            <a:fld id="{B9954442-4B75-4FFC-8E19-5A3531B2CA78}" type="slidenum">
+            <a:fld id="{7F63884C-3C0D-420E-8851-3E0502B99E24}" type="slidenum">
               <a:t>&lt;#&gt;</a:t>
             </a:fld>
           </a:p>
@@ -1735,7 +1555,7 @@
             <a:spLocks noGrp="1"/>
           </p:cNvSpPr>
           <p:nvPr>
-            <p:ph type="dt" idx="4"/>
+            <p:ph type="dt" idx="6"/>
           </p:nvPr>
         </p:nvSpPr>
         <p:spPr/>
@@ -1784,7 +1604,7 @@
         <p:spPr>
           <a:xfrm>
             <a:off x="680400" y="2733840"/>
-            <a:ext cx="8143920" cy="6364080"/>
+            <a:ext cx="8143560" cy="6362640"/>
           </a:xfrm>
           <a:prstGeom prst="rect">
             <a:avLst/>
@@ -1815,7 +1635,7 @@
             <a:spLocks noGrp="1"/>
           </p:cNvSpPr>
           <p:nvPr>
-            <p:ph type="ftr" idx="5"/>
+            <p:ph type="ftr" idx="4"/>
           </p:nvPr>
         </p:nvSpPr>
         <p:spPr/>
@@ -1835,14 +1655,14 @@
             <a:spLocks noGrp="1"/>
           </p:cNvSpPr>
           <p:nvPr>
-            <p:ph type="sldNum" idx="6"/>
+            <p:ph type="sldNum" idx="5"/>
           </p:nvPr>
         </p:nvSpPr>
         <p:spPr/>
         <p:txBody>
           <a:bodyPr/>
           <a:p>
-            <a:fld id="{489BB997-92DD-466D-B7E7-7ACC317D9D2F}" type="slidenum">
+            <a:fld id="{6A23B4B1-C4E5-4C23-A033-9D3AB4E6D2AA}" type="slidenum">
               <a:t>&lt;#&gt;</a:t>
             </a:fld>
           </a:p>
@@ -1855,7 +1675,7 @@
             <a:spLocks noGrp="1"/>
           </p:cNvSpPr>
           <p:nvPr>
-            <p:ph type="dt" idx="4"/>
+            <p:ph type="dt" idx="6"/>
           </p:nvPr>
         </p:nvSpPr>
         <p:spPr/>
@@ -1904,7 +1724,7 @@
         <p:spPr>
           <a:xfrm>
             <a:off x="680400" y="2733840"/>
-            <a:ext cx="8143920" cy="1372680"/>
+            <a:ext cx="8143560" cy="1372320"/>
           </a:xfrm>
           <a:prstGeom prst="rect">
             <a:avLst/>
@@ -1919,11 +1739,11 @@
             <a:noAutofit/>
           </a:bodyPr>
           <a:p>
-            <a:endParaRPr b="0" lang="en-US" sz="1800" spc="-1" strike="noStrike">
-              <a:solidFill>
-                <a:srgbClr val="ffffff"/>
-              </a:solidFill>
-              <a:latin typeface="Trebuchet MS"/>
+            <a:pPr algn="ctr">
+              <a:buNone/>
+            </a:pPr>
+            <a:endParaRPr b="0" lang="en-US" sz="4400" spc="-1" strike="noStrike">
+              <a:latin typeface="Arial"/>
             </a:endParaRPr>
           </a:p>
         </p:txBody>
@@ -1956,20 +1776,8 @@
             <a:normAutofit/>
           </a:bodyPr>
           <a:p>
-            <a:pPr>
-              <a:lnSpc>
-                <a:spcPct val="90000"/>
-              </a:lnSpc>
-              <a:spcBef>
-                <a:spcPts val="1417"/>
-              </a:spcBef>
-              <a:buNone/>
-            </a:pPr>
-            <a:endParaRPr b="0" lang="en-US" sz="2400" spc="-1" strike="noStrike">
-              <a:solidFill>
-                <a:srgbClr val="ffffff"/>
-              </a:solidFill>
-              <a:latin typeface="Trebuchet MS"/>
+            <a:endParaRPr b="0" lang="en-US" sz="3200" spc="-1" strike="noStrike">
+              <a:latin typeface="Arial"/>
             </a:endParaRPr>
           </a:p>
         </p:txBody>
@@ -2002,20 +1810,8 @@
             <a:normAutofit/>
           </a:bodyPr>
           <a:p>
-            <a:pPr>
-              <a:lnSpc>
-                <a:spcPct val="90000"/>
-              </a:lnSpc>
-              <a:spcBef>
-                <a:spcPts val="1417"/>
-              </a:spcBef>
-              <a:buNone/>
-            </a:pPr>
-            <a:endParaRPr b="0" lang="en-US" sz="2400" spc="-1" strike="noStrike">
-              <a:solidFill>
-                <a:srgbClr val="ffffff"/>
-              </a:solidFill>
-              <a:latin typeface="Trebuchet MS"/>
+            <a:endParaRPr b="0" lang="en-US" sz="3200" spc="-1" strike="noStrike">
+              <a:latin typeface="Arial"/>
             </a:endParaRPr>
           </a:p>
         </p:txBody>
@@ -2048,20 +1844,8 @@
             <a:normAutofit/>
           </a:bodyPr>
           <a:p>
-            <a:pPr>
-              <a:lnSpc>
-                <a:spcPct val="90000"/>
-              </a:lnSpc>
-              <a:spcBef>
-                <a:spcPts val="1417"/>
-              </a:spcBef>
-              <a:buNone/>
-            </a:pPr>
-            <a:endParaRPr b="0" lang="en-US" sz="2400" spc="-1" strike="noStrike">
-              <a:solidFill>
-                <a:srgbClr val="ffffff"/>
-              </a:solidFill>
-              <a:latin typeface="Trebuchet MS"/>
+            <a:endParaRPr b="0" lang="en-US" sz="3200" spc="-1" strike="noStrike">
+              <a:latin typeface="Arial"/>
             </a:endParaRPr>
           </a:p>
         </p:txBody>
@@ -2073,7 +1857,7 @@
             <a:spLocks noGrp="1"/>
           </p:cNvSpPr>
           <p:nvPr>
-            <p:ph type="ftr" idx="5"/>
+            <p:ph type="ftr" idx="4"/>
           </p:nvPr>
         </p:nvSpPr>
         <p:spPr/>
@@ -2093,14 +1877,14 @@
             <a:spLocks noGrp="1"/>
           </p:cNvSpPr>
           <p:nvPr>
-            <p:ph type="sldNum" idx="6"/>
+            <p:ph type="sldNum" idx="5"/>
           </p:nvPr>
         </p:nvSpPr>
         <p:spPr/>
         <p:txBody>
           <a:bodyPr/>
           <a:p>
-            <a:fld id="{837E04A4-41A4-4995-912D-8E23CE4139F0}" type="slidenum">
+            <a:fld id="{5926AD6B-7733-451F-993A-78211E4B01EC}" type="slidenum">
               <a:t>&lt;#&gt;</a:t>
             </a:fld>
           </a:p>
@@ -2113,7 +1897,7 @@
             <a:spLocks noGrp="1"/>
           </p:cNvSpPr>
           <p:nvPr>
-            <p:ph type="dt" idx="4"/>
+            <p:ph type="dt" idx="6"/>
           </p:nvPr>
         </p:nvSpPr>
         <p:spPr/>
@@ -2162,7 +1946,7 @@
         <p:spPr>
           <a:xfrm>
             <a:off x="680400" y="2733840"/>
-            <a:ext cx="8143920" cy="1372680"/>
+            <a:ext cx="8143560" cy="1372320"/>
           </a:xfrm>
           <a:prstGeom prst="rect">
             <a:avLst/>
@@ -2177,11 +1961,11 @@
             <a:noAutofit/>
           </a:bodyPr>
           <a:p>
-            <a:endParaRPr b="0" lang="en-US" sz="1800" spc="-1" strike="noStrike">
-              <a:solidFill>
-                <a:srgbClr val="ffffff"/>
-              </a:solidFill>
-              <a:latin typeface="Trebuchet MS"/>
+            <a:pPr algn="ctr">
+              <a:buNone/>
+            </a:pPr>
+            <a:endParaRPr b="0" lang="en-US" sz="4400" spc="-1" strike="noStrike">
+              <a:latin typeface="Arial"/>
             </a:endParaRPr>
           </a:p>
         </p:txBody>
@@ -2230,7 +2014,7 @@
             <a:spLocks noGrp="1"/>
           </p:cNvSpPr>
           <p:nvPr>
-            <p:ph type="ftr" idx="2"/>
+            <p:ph type="ftr" idx="1"/>
           </p:nvPr>
         </p:nvSpPr>
         <p:spPr/>
@@ -2250,14 +2034,14 @@
             <a:spLocks noGrp="1"/>
           </p:cNvSpPr>
           <p:nvPr>
-            <p:ph type="sldNum" idx="3"/>
+            <p:ph type="sldNum" idx="2"/>
           </p:nvPr>
         </p:nvSpPr>
         <p:spPr/>
         <p:txBody>
           <a:bodyPr/>
           <a:p>
-            <a:fld id="{D2EB28EB-DE5A-4F2E-90D7-4D7399551A9A}" type="slidenum">
+            <a:fld id="{414AD1C1-AC16-45B1-8757-1CCB76BD0562}" type="slidenum">
               <a:t>&lt;#&gt;</a:t>
             </a:fld>
           </a:p>
@@ -2270,7 +2054,7 @@
             <a:spLocks noGrp="1"/>
           </p:cNvSpPr>
           <p:nvPr>
-            <p:ph type="dt" idx="1"/>
+            <p:ph type="dt" idx="3"/>
           </p:nvPr>
         </p:nvSpPr>
         <p:spPr/>
@@ -2319,7 +2103,7 @@
         <p:spPr>
           <a:xfrm>
             <a:off x="680400" y="2733840"/>
-            <a:ext cx="8143920" cy="1372680"/>
+            <a:ext cx="8143560" cy="1372320"/>
           </a:xfrm>
           <a:prstGeom prst="rect">
             <a:avLst/>
@@ -2334,11 +2118,11 @@
             <a:noAutofit/>
           </a:bodyPr>
           <a:p>
-            <a:endParaRPr b="0" lang="en-US" sz="1800" spc="-1" strike="noStrike">
-              <a:solidFill>
-                <a:srgbClr val="ffffff"/>
-              </a:solidFill>
-              <a:latin typeface="Trebuchet MS"/>
+            <a:pPr algn="ctr">
+              <a:buNone/>
+            </a:pPr>
+            <a:endParaRPr b="0" lang="en-US" sz="4400" spc="-1" strike="noStrike">
+              <a:latin typeface="Arial"/>
             </a:endParaRPr>
           </a:p>
         </p:txBody>
@@ -2371,20 +2155,8 @@
             <a:normAutofit/>
           </a:bodyPr>
           <a:p>
-            <a:pPr>
-              <a:lnSpc>
-                <a:spcPct val="90000"/>
-              </a:lnSpc>
-              <a:spcBef>
-                <a:spcPts val="1417"/>
-              </a:spcBef>
-              <a:buNone/>
-            </a:pPr>
-            <a:endParaRPr b="0" lang="en-US" sz="2400" spc="-1" strike="noStrike">
-              <a:solidFill>
-                <a:srgbClr val="ffffff"/>
-              </a:solidFill>
-              <a:latin typeface="Trebuchet MS"/>
+            <a:endParaRPr b="0" lang="en-US" sz="3200" spc="-1" strike="noStrike">
+              <a:latin typeface="Arial"/>
             </a:endParaRPr>
           </a:p>
         </p:txBody>
@@ -2417,20 +2189,8 @@
             <a:normAutofit/>
           </a:bodyPr>
           <a:p>
-            <a:pPr>
-              <a:lnSpc>
-                <a:spcPct val="90000"/>
-              </a:lnSpc>
-              <a:spcBef>
-                <a:spcPts val="1417"/>
-              </a:spcBef>
-              <a:buNone/>
-            </a:pPr>
-            <a:endParaRPr b="0" lang="en-US" sz="2400" spc="-1" strike="noStrike">
-              <a:solidFill>
-                <a:srgbClr val="ffffff"/>
-              </a:solidFill>
-              <a:latin typeface="Trebuchet MS"/>
+            <a:endParaRPr b="0" lang="en-US" sz="3200" spc="-1" strike="noStrike">
+              <a:latin typeface="Arial"/>
             </a:endParaRPr>
           </a:p>
         </p:txBody>
@@ -2463,20 +2223,8 @@
             <a:normAutofit/>
           </a:bodyPr>
           <a:p>
-            <a:pPr>
-              <a:lnSpc>
-                <a:spcPct val="90000"/>
-              </a:lnSpc>
-              <a:spcBef>
-                <a:spcPts val="1417"/>
-              </a:spcBef>
-              <a:buNone/>
-            </a:pPr>
-            <a:endParaRPr b="0" lang="en-US" sz="2400" spc="-1" strike="noStrike">
-              <a:solidFill>
-                <a:srgbClr val="ffffff"/>
-              </a:solidFill>
-              <a:latin typeface="Trebuchet MS"/>
+            <a:endParaRPr b="0" lang="en-US" sz="3200" spc="-1" strike="noStrike">
+              <a:latin typeface="Arial"/>
             </a:endParaRPr>
           </a:p>
         </p:txBody>
@@ -2488,7 +2236,7 @@
             <a:spLocks noGrp="1"/>
           </p:cNvSpPr>
           <p:nvPr>
-            <p:ph type="ftr" idx="5"/>
+            <p:ph type="ftr" idx="4"/>
           </p:nvPr>
         </p:nvSpPr>
         <p:spPr/>
@@ -2508,14 +2256,14 @@
             <a:spLocks noGrp="1"/>
           </p:cNvSpPr>
           <p:nvPr>
-            <p:ph type="sldNum" idx="6"/>
+            <p:ph type="sldNum" idx="5"/>
           </p:nvPr>
         </p:nvSpPr>
         <p:spPr/>
         <p:txBody>
           <a:bodyPr/>
           <a:p>
-            <a:fld id="{5B3ACD8F-997A-46EA-B43B-2031B1C74CB2}" type="slidenum">
+            <a:fld id="{00CFB180-8DA3-4F0F-977A-8017F7CACDB3}" type="slidenum">
               <a:t>&lt;#&gt;</a:t>
             </a:fld>
           </a:p>
@@ -2528,7 +2276,7 @@
             <a:spLocks noGrp="1"/>
           </p:cNvSpPr>
           <p:nvPr>
-            <p:ph type="dt" idx="4"/>
+            <p:ph type="dt" idx="6"/>
           </p:nvPr>
         </p:nvSpPr>
         <p:spPr/>
@@ -2577,7 +2325,7 @@
         <p:spPr>
           <a:xfrm>
             <a:off x="680400" y="2733840"/>
-            <a:ext cx="8143920" cy="1372680"/>
+            <a:ext cx="8143560" cy="1372320"/>
           </a:xfrm>
           <a:prstGeom prst="rect">
             <a:avLst/>
@@ -2592,11 +2340,11 @@
             <a:noAutofit/>
           </a:bodyPr>
           <a:p>
-            <a:endParaRPr b="0" lang="en-US" sz="1800" spc="-1" strike="noStrike">
-              <a:solidFill>
-                <a:srgbClr val="ffffff"/>
-              </a:solidFill>
-              <a:latin typeface="Trebuchet MS"/>
+            <a:pPr algn="ctr">
+              <a:buNone/>
+            </a:pPr>
+            <a:endParaRPr b="0" lang="en-US" sz="4400" spc="-1" strike="noStrike">
+              <a:latin typeface="Arial"/>
             </a:endParaRPr>
           </a:p>
         </p:txBody>
@@ -2629,20 +2377,8 @@
             <a:normAutofit/>
           </a:bodyPr>
           <a:p>
-            <a:pPr>
-              <a:lnSpc>
-                <a:spcPct val="90000"/>
-              </a:lnSpc>
-              <a:spcBef>
-                <a:spcPts val="1417"/>
-              </a:spcBef>
-              <a:buNone/>
-            </a:pPr>
-            <a:endParaRPr b="0" lang="en-US" sz="2400" spc="-1" strike="noStrike">
-              <a:solidFill>
-                <a:srgbClr val="ffffff"/>
-              </a:solidFill>
-              <a:latin typeface="Trebuchet MS"/>
+            <a:endParaRPr b="0" lang="en-US" sz="3200" spc="-1" strike="noStrike">
+              <a:latin typeface="Arial"/>
             </a:endParaRPr>
           </a:p>
         </p:txBody>
@@ -2675,20 +2411,8 @@
             <a:normAutofit/>
           </a:bodyPr>
           <a:p>
-            <a:pPr>
-              <a:lnSpc>
-                <a:spcPct val="90000"/>
-              </a:lnSpc>
-              <a:spcBef>
-                <a:spcPts val="1417"/>
-              </a:spcBef>
-              <a:buNone/>
-            </a:pPr>
-            <a:endParaRPr b="0" lang="en-US" sz="2400" spc="-1" strike="noStrike">
-              <a:solidFill>
-                <a:srgbClr val="ffffff"/>
-              </a:solidFill>
-              <a:latin typeface="Trebuchet MS"/>
+            <a:endParaRPr b="0" lang="en-US" sz="3200" spc="-1" strike="noStrike">
+              <a:latin typeface="Arial"/>
             </a:endParaRPr>
           </a:p>
         </p:txBody>
@@ -2721,20 +2445,8 @@
             <a:normAutofit/>
           </a:bodyPr>
           <a:p>
-            <a:pPr>
-              <a:lnSpc>
-                <a:spcPct val="90000"/>
-              </a:lnSpc>
-              <a:spcBef>
-                <a:spcPts val="1417"/>
-              </a:spcBef>
-              <a:buNone/>
-            </a:pPr>
-            <a:endParaRPr b="0" lang="en-US" sz="2400" spc="-1" strike="noStrike">
-              <a:solidFill>
-                <a:srgbClr val="ffffff"/>
-              </a:solidFill>
-              <a:latin typeface="Trebuchet MS"/>
+            <a:endParaRPr b="0" lang="en-US" sz="3200" spc="-1" strike="noStrike">
+              <a:latin typeface="Arial"/>
             </a:endParaRPr>
           </a:p>
         </p:txBody>
@@ -2746,7 +2458,7 @@
             <a:spLocks noGrp="1"/>
           </p:cNvSpPr>
           <p:nvPr>
-            <p:ph type="ftr" idx="5"/>
+            <p:ph type="ftr" idx="4"/>
           </p:nvPr>
         </p:nvSpPr>
         <p:spPr/>
@@ -2766,14 +2478,14 @@
             <a:spLocks noGrp="1"/>
           </p:cNvSpPr>
           <p:nvPr>
-            <p:ph type="sldNum" idx="6"/>
+            <p:ph type="sldNum" idx="5"/>
           </p:nvPr>
         </p:nvSpPr>
         <p:spPr/>
         <p:txBody>
           <a:bodyPr/>
           <a:p>
-            <a:fld id="{D987F743-7F5F-4692-B3EB-BF77BB258801}" type="slidenum">
+            <a:fld id="{55F314FF-181F-4E76-BA42-EF7705E26F9E}" type="slidenum">
               <a:t>&lt;#&gt;</a:t>
             </a:fld>
           </a:p>
@@ -2786,7 +2498,7 @@
             <a:spLocks noGrp="1"/>
           </p:cNvSpPr>
           <p:nvPr>
-            <p:ph type="dt" idx="4"/>
+            <p:ph type="dt" idx="6"/>
           </p:nvPr>
         </p:nvSpPr>
         <p:spPr/>
@@ -2835,7 +2547,7 @@
         <p:spPr>
           <a:xfrm>
             <a:off x="680400" y="2733840"/>
-            <a:ext cx="8143920" cy="1372680"/>
+            <a:ext cx="8143560" cy="1372320"/>
           </a:xfrm>
           <a:prstGeom prst="rect">
             <a:avLst/>
@@ -2850,11 +2562,11 @@
             <a:noAutofit/>
           </a:bodyPr>
           <a:p>
-            <a:endParaRPr b="0" lang="en-US" sz="1800" spc="-1" strike="noStrike">
-              <a:solidFill>
-                <a:srgbClr val="ffffff"/>
-              </a:solidFill>
-              <a:latin typeface="Trebuchet MS"/>
+            <a:pPr algn="ctr">
+              <a:buNone/>
+            </a:pPr>
+            <a:endParaRPr b="0" lang="en-US" sz="4400" spc="-1" strike="noStrike">
+              <a:latin typeface="Arial"/>
             </a:endParaRPr>
           </a:p>
         </p:txBody>
@@ -2887,20 +2599,8 @@
             <a:normAutofit/>
           </a:bodyPr>
           <a:p>
-            <a:pPr>
-              <a:lnSpc>
-                <a:spcPct val="90000"/>
-              </a:lnSpc>
-              <a:spcBef>
-                <a:spcPts val="1417"/>
-              </a:spcBef>
-              <a:buNone/>
-            </a:pPr>
-            <a:endParaRPr b="0" lang="en-US" sz="2400" spc="-1" strike="noStrike">
-              <a:solidFill>
-                <a:srgbClr val="ffffff"/>
-              </a:solidFill>
-              <a:latin typeface="Trebuchet MS"/>
+            <a:endParaRPr b="0" lang="en-US" sz="3200" spc="-1" strike="noStrike">
+              <a:latin typeface="Arial"/>
             </a:endParaRPr>
           </a:p>
         </p:txBody>
@@ -2933,20 +2633,8 @@
             <a:normAutofit/>
           </a:bodyPr>
           <a:p>
-            <a:pPr>
-              <a:lnSpc>
-                <a:spcPct val="90000"/>
-              </a:lnSpc>
-              <a:spcBef>
-                <a:spcPts val="1417"/>
-              </a:spcBef>
-              <a:buNone/>
-            </a:pPr>
-            <a:endParaRPr b="0" lang="en-US" sz="2400" spc="-1" strike="noStrike">
-              <a:solidFill>
-                <a:srgbClr val="ffffff"/>
-              </a:solidFill>
-              <a:latin typeface="Trebuchet MS"/>
+            <a:endParaRPr b="0" lang="en-US" sz="3200" spc="-1" strike="noStrike">
+              <a:latin typeface="Arial"/>
             </a:endParaRPr>
           </a:p>
         </p:txBody>
@@ -2958,7 +2646,7 @@
             <a:spLocks noGrp="1"/>
           </p:cNvSpPr>
           <p:nvPr>
-            <p:ph type="ftr" idx="5"/>
+            <p:ph type="ftr" idx="4"/>
           </p:nvPr>
         </p:nvSpPr>
         <p:spPr/>
@@ -2978,14 +2666,14 @@
             <a:spLocks noGrp="1"/>
           </p:cNvSpPr>
           <p:nvPr>
-            <p:ph type="sldNum" idx="6"/>
+            <p:ph type="sldNum" idx="5"/>
           </p:nvPr>
         </p:nvSpPr>
         <p:spPr/>
         <p:txBody>
           <a:bodyPr/>
           <a:p>
-            <a:fld id="{98DA6917-77CD-49C7-8E2C-3C057ED65FBD}" type="slidenum">
+            <a:fld id="{7FF840AA-588D-4708-B281-F33B4D233944}" type="slidenum">
               <a:t>&lt;#&gt;</a:t>
             </a:fld>
           </a:p>
@@ -2998,7 +2686,7 @@
             <a:spLocks noGrp="1"/>
           </p:cNvSpPr>
           <p:nvPr>
-            <p:ph type="dt" idx="4"/>
+            <p:ph type="dt" idx="6"/>
           </p:nvPr>
         </p:nvSpPr>
         <p:spPr/>
@@ -3047,7 +2735,7 @@
         <p:spPr>
           <a:xfrm>
             <a:off x="680400" y="2733840"/>
-            <a:ext cx="8143920" cy="1372680"/>
+            <a:ext cx="8143560" cy="1372320"/>
           </a:xfrm>
           <a:prstGeom prst="rect">
             <a:avLst/>
@@ -3062,11 +2750,11 @@
             <a:noAutofit/>
           </a:bodyPr>
           <a:p>
-            <a:endParaRPr b="0" lang="en-US" sz="1800" spc="-1" strike="noStrike">
-              <a:solidFill>
-                <a:srgbClr val="ffffff"/>
-              </a:solidFill>
-              <a:latin typeface="Trebuchet MS"/>
+            <a:pPr algn="ctr">
+              <a:buNone/>
+            </a:pPr>
+            <a:endParaRPr b="0" lang="en-US" sz="4400" spc="-1" strike="noStrike">
+              <a:latin typeface="Arial"/>
             </a:endParaRPr>
           </a:p>
         </p:txBody>
@@ -3099,20 +2787,8 @@
             <a:normAutofit/>
           </a:bodyPr>
           <a:p>
-            <a:pPr>
-              <a:lnSpc>
-                <a:spcPct val="90000"/>
-              </a:lnSpc>
-              <a:spcBef>
-                <a:spcPts val="1417"/>
-              </a:spcBef>
-              <a:buNone/>
-            </a:pPr>
-            <a:endParaRPr b="0" lang="en-US" sz="2400" spc="-1" strike="noStrike">
-              <a:solidFill>
-                <a:srgbClr val="ffffff"/>
-              </a:solidFill>
-              <a:latin typeface="Trebuchet MS"/>
+            <a:endParaRPr b="0" lang="en-US" sz="3200" spc="-1" strike="noStrike">
+              <a:latin typeface="Arial"/>
             </a:endParaRPr>
           </a:p>
         </p:txBody>
@@ -3145,20 +2821,8 @@
             <a:normAutofit/>
           </a:bodyPr>
           <a:p>
-            <a:pPr>
-              <a:lnSpc>
-                <a:spcPct val="90000"/>
-              </a:lnSpc>
-              <a:spcBef>
-                <a:spcPts val="1417"/>
-              </a:spcBef>
-              <a:buNone/>
-            </a:pPr>
-            <a:endParaRPr b="0" lang="en-US" sz="2400" spc="-1" strike="noStrike">
-              <a:solidFill>
-                <a:srgbClr val="ffffff"/>
-              </a:solidFill>
-              <a:latin typeface="Trebuchet MS"/>
+            <a:endParaRPr b="0" lang="en-US" sz="3200" spc="-1" strike="noStrike">
+              <a:latin typeface="Arial"/>
             </a:endParaRPr>
           </a:p>
         </p:txBody>
@@ -3191,20 +2855,8 @@
             <a:normAutofit/>
           </a:bodyPr>
           <a:p>
-            <a:pPr>
-              <a:lnSpc>
-                <a:spcPct val="90000"/>
-              </a:lnSpc>
-              <a:spcBef>
-                <a:spcPts val="1417"/>
-              </a:spcBef>
-              <a:buNone/>
-            </a:pPr>
-            <a:endParaRPr b="0" lang="en-US" sz="2400" spc="-1" strike="noStrike">
-              <a:solidFill>
-                <a:srgbClr val="ffffff"/>
-              </a:solidFill>
-              <a:latin typeface="Trebuchet MS"/>
+            <a:endParaRPr b="0" lang="en-US" sz="3200" spc="-1" strike="noStrike">
+              <a:latin typeface="Arial"/>
             </a:endParaRPr>
           </a:p>
         </p:txBody>
@@ -3237,20 +2889,8 @@
             <a:normAutofit/>
           </a:bodyPr>
           <a:p>
-            <a:pPr>
-              <a:lnSpc>
-                <a:spcPct val="90000"/>
-              </a:lnSpc>
-              <a:spcBef>
-                <a:spcPts val="1417"/>
-              </a:spcBef>
-              <a:buNone/>
-            </a:pPr>
-            <a:endParaRPr b="0" lang="en-US" sz="2400" spc="-1" strike="noStrike">
-              <a:solidFill>
-                <a:srgbClr val="ffffff"/>
-              </a:solidFill>
-              <a:latin typeface="Trebuchet MS"/>
+            <a:endParaRPr b="0" lang="en-US" sz="3200" spc="-1" strike="noStrike">
+              <a:latin typeface="Arial"/>
             </a:endParaRPr>
           </a:p>
         </p:txBody>
@@ -3262,7 +2902,7 @@
             <a:spLocks noGrp="1"/>
           </p:cNvSpPr>
           <p:nvPr>
-            <p:ph type="ftr" idx="5"/>
+            <p:ph type="ftr" idx="4"/>
           </p:nvPr>
         </p:nvSpPr>
         <p:spPr/>
@@ -3282,14 +2922,14 @@
             <a:spLocks noGrp="1"/>
           </p:cNvSpPr>
           <p:nvPr>
-            <p:ph type="sldNum" idx="6"/>
+            <p:ph type="sldNum" idx="5"/>
           </p:nvPr>
         </p:nvSpPr>
         <p:spPr/>
         <p:txBody>
           <a:bodyPr/>
           <a:p>
-            <a:fld id="{E83AD586-CD3C-4023-9E98-3DA1DBAE1942}" type="slidenum">
+            <a:fld id="{FF42C4A8-A69B-452D-B7A4-A90E19E050A0}" type="slidenum">
               <a:t>&lt;#&gt;</a:t>
             </a:fld>
           </a:p>
@@ -3302,7 +2942,7 @@
             <a:spLocks noGrp="1"/>
           </p:cNvSpPr>
           <p:nvPr>
-            <p:ph type="dt" idx="4"/>
+            <p:ph type="dt" idx="6"/>
           </p:nvPr>
         </p:nvSpPr>
         <p:spPr/>
@@ -3351,7 +2991,7 @@
         <p:spPr>
           <a:xfrm>
             <a:off x="680400" y="2733840"/>
-            <a:ext cx="8143920" cy="1372680"/>
+            <a:ext cx="8143560" cy="1372320"/>
           </a:xfrm>
           <a:prstGeom prst="rect">
             <a:avLst/>
@@ -3366,11 +3006,11 @@
             <a:noAutofit/>
           </a:bodyPr>
           <a:p>
-            <a:endParaRPr b="0" lang="en-US" sz="1800" spc="-1" strike="noStrike">
-              <a:solidFill>
-                <a:srgbClr val="ffffff"/>
-              </a:solidFill>
-              <a:latin typeface="Trebuchet MS"/>
+            <a:pPr algn="ctr">
+              <a:buNone/>
+            </a:pPr>
+            <a:endParaRPr b="0" lang="en-US" sz="4400" spc="-1" strike="noStrike">
+              <a:latin typeface="Arial"/>
             </a:endParaRPr>
           </a:p>
         </p:txBody>
@@ -3403,20 +3043,8 @@
             <a:normAutofit/>
           </a:bodyPr>
           <a:p>
-            <a:pPr>
-              <a:lnSpc>
-                <a:spcPct val="90000"/>
-              </a:lnSpc>
-              <a:spcBef>
-                <a:spcPts val="1417"/>
-              </a:spcBef>
-              <a:buNone/>
-            </a:pPr>
-            <a:endParaRPr b="0" lang="en-US" sz="2400" spc="-1" strike="noStrike">
-              <a:solidFill>
-                <a:srgbClr val="ffffff"/>
-              </a:solidFill>
-              <a:latin typeface="Trebuchet MS"/>
+            <a:endParaRPr b="0" lang="en-US" sz="3200" spc="-1" strike="noStrike">
+              <a:latin typeface="Arial"/>
             </a:endParaRPr>
           </a:p>
         </p:txBody>
@@ -3449,20 +3077,8 @@
             <a:normAutofit/>
           </a:bodyPr>
           <a:p>
-            <a:pPr>
-              <a:lnSpc>
-                <a:spcPct val="90000"/>
-              </a:lnSpc>
-              <a:spcBef>
-                <a:spcPts val="1417"/>
-              </a:spcBef>
-              <a:buNone/>
-            </a:pPr>
-            <a:endParaRPr b="0" lang="en-US" sz="2400" spc="-1" strike="noStrike">
-              <a:solidFill>
-                <a:srgbClr val="ffffff"/>
-              </a:solidFill>
-              <a:latin typeface="Trebuchet MS"/>
+            <a:endParaRPr b="0" lang="en-US" sz="3200" spc="-1" strike="noStrike">
+              <a:latin typeface="Arial"/>
             </a:endParaRPr>
           </a:p>
         </p:txBody>
@@ -3495,20 +3111,8 @@
             <a:normAutofit/>
           </a:bodyPr>
           <a:p>
-            <a:pPr>
-              <a:lnSpc>
-                <a:spcPct val="90000"/>
-              </a:lnSpc>
-              <a:spcBef>
-                <a:spcPts val="1417"/>
-              </a:spcBef>
-              <a:buNone/>
-            </a:pPr>
-            <a:endParaRPr b="0" lang="en-US" sz="2400" spc="-1" strike="noStrike">
-              <a:solidFill>
-                <a:srgbClr val="ffffff"/>
-              </a:solidFill>
-              <a:latin typeface="Trebuchet MS"/>
+            <a:endParaRPr b="0" lang="en-US" sz="3200" spc="-1" strike="noStrike">
+              <a:latin typeface="Arial"/>
             </a:endParaRPr>
           </a:p>
         </p:txBody>
@@ -3541,20 +3145,8 @@
             <a:normAutofit/>
           </a:bodyPr>
           <a:p>
-            <a:pPr>
-              <a:lnSpc>
-                <a:spcPct val="90000"/>
-              </a:lnSpc>
-              <a:spcBef>
-                <a:spcPts val="1417"/>
-              </a:spcBef>
-              <a:buNone/>
-            </a:pPr>
-            <a:endParaRPr b="0" lang="en-US" sz="2400" spc="-1" strike="noStrike">
-              <a:solidFill>
-                <a:srgbClr val="ffffff"/>
-              </a:solidFill>
-              <a:latin typeface="Trebuchet MS"/>
+            <a:endParaRPr b="0" lang="en-US" sz="3200" spc="-1" strike="noStrike">
+              <a:latin typeface="Arial"/>
             </a:endParaRPr>
           </a:p>
         </p:txBody>
@@ -3587,20 +3179,8 @@
             <a:normAutofit/>
           </a:bodyPr>
           <a:p>
-            <a:pPr>
-              <a:lnSpc>
-                <a:spcPct val="90000"/>
-              </a:lnSpc>
-              <a:spcBef>
-                <a:spcPts val="1417"/>
-              </a:spcBef>
-              <a:buNone/>
-            </a:pPr>
-            <a:endParaRPr b="0" lang="en-US" sz="2400" spc="-1" strike="noStrike">
-              <a:solidFill>
-                <a:srgbClr val="ffffff"/>
-              </a:solidFill>
-              <a:latin typeface="Trebuchet MS"/>
+            <a:endParaRPr b="0" lang="en-US" sz="3200" spc="-1" strike="noStrike">
+              <a:latin typeface="Arial"/>
             </a:endParaRPr>
           </a:p>
         </p:txBody>
@@ -3633,20 +3213,8 @@
             <a:normAutofit/>
           </a:bodyPr>
           <a:p>
-            <a:pPr>
-              <a:lnSpc>
-                <a:spcPct val="90000"/>
-              </a:lnSpc>
-              <a:spcBef>
-                <a:spcPts val="1417"/>
-              </a:spcBef>
-              <a:buNone/>
-            </a:pPr>
-            <a:endParaRPr b="0" lang="en-US" sz="2400" spc="-1" strike="noStrike">
-              <a:solidFill>
-                <a:srgbClr val="ffffff"/>
-              </a:solidFill>
-              <a:latin typeface="Trebuchet MS"/>
+            <a:endParaRPr b="0" lang="en-US" sz="3200" spc="-1" strike="noStrike">
+              <a:latin typeface="Arial"/>
             </a:endParaRPr>
           </a:p>
         </p:txBody>
@@ -3658,7 +3226,7 @@
             <a:spLocks noGrp="1"/>
           </p:cNvSpPr>
           <p:nvPr>
-            <p:ph type="ftr" idx="5"/>
+            <p:ph type="ftr" idx="4"/>
           </p:nvPr>
         </p:nvSpPr>
         <p:spPr/>
@@ -3678,14 +3246,14 @@
             <a:spLocks noGrp="1"/>
           </p:cNvSpPr>
           <p:nvPr>
-            <p:ph type="sldNum" idx="6"/>
+            <p:ph type="sldNum" idx="5"/>
           </p:nvPr>
         </p:nvSpPr>
         <p:spPr/>
         <p:txBody>
           <a:bodyPr/>
           <a:p>
-            <a:fld id="{7D68D9B3-5643-4433-80A4-2A49A3FE837B}" type="slidenum">
+            <a:fld id="{6EF37ACD-844C-49FF-97FE-CC802475C781}" type="slidenum">
               <a:t>&lt;#&gt;</a:t>
             </a:fld>
           </a:p>
@@ -3698,7 +3266,7 @@
             <a:spLocks noGrp="1"/>
           </p:cNvSpPr>
           <p:nvPr>
-            <p:ph type="dt" idx="4"/>
+            <p:ph type="dt" idx="6"/>
           </p:nvPr>
         </p:nvSpPr>
         <p:spPr/>
@@ -3747,7 +3315,7 @@
         <p:spPr>
           <a:xfrm>
             <a:off x="680400" y="2733840"/>
-            <a:ext cx="8143920" cy="1372680"/>
+            <a:ext cx="8143560" cy="1372320"/>
           </a:xfrm>
           <a:prstGeom prst="rect">
             <a:avLst/>
@@ -3762,11 +3330,11 @@
             <a:noAutofit/>
           </a:bodyPr>
           <a:p>
-            <a:endParaRPr b="0" lang="en-US" sz="1800" spc="-1" strike="noStrike">
-              <a:solidFill>
-                <a:srgbClr val="ffffff"/>
-              </a:solidFill>
-              <a:latin typeface="Trebuchet MS"/>
+            <a:pPr algn="ctr">
+              <a:buNone/>
+            </a:pPr>
+            <a:endParaRPr b="0" lang="en-US" sz="4400" spc="-1" strike="noStrike">
+              <a:latin typeface="Arial"/>
             </a:endParaRPr>
           </a:p>
         </p:txBody>
@@ -3799,20 +3367,8 @@
             <a:normAutofit/>
           </a:bodyPr>
           <a:p>
-            <a:pPr>
-              <a:lnSpc>
-                <a:spcPct val="90000"/>
-              </a:lnSpc>
-              <a:spcBef>
-                <a:spcPts val="1417"/>
-              </a:spcBef>
-              <a:buNone/>
-            </a:pPr>
-            <a:endParaRPr b="0" lang="en-US" sz="2400" spc="-1" strike="noStrike">
-              <a:solidFill>
-                <a:srgbClr val="ffffff"/>
-              </a:solidFill>
-              <a:latin typeface="Trebuchet MS"/>
+            <a:endParaRPr b="0" lang="en-US" sz="3200" spc="-1" strike="noStrike">
+              <a:latin typeface="Arial"/>
             </a:endParaRPr>
           </a:p>
         </p:txBody>
@@ -3824,7 +3380,7 @@
             <a:spLocks noGrp="1"/>
           </p:cNvSpPr>
           <p:nvPr>
-            <p:ph type="ftr" idx="2"/>
+            <p:ph type="ftr" idx="1"/>
           </p:nvPr>
         </p:nvSpPr>
         <p:spPr/>
@@ -3844,14 +3400,14 @@
             <a:spLocks noGrp="1"/>
           </p:cNvSpPr>
           <p:nvPr>
-            <p:ph type="sldNum" idx="3"/>
+            <p:ph type="sldNum" idx="2"/>
           </p:nvPr>
         </p:nvSpPr>
         <p:spPr/>
         <p:txBody>
           <a:bodyPr/>
           <a:p>
-            <a:fld id="{EDD35D8B-CD83-43E1-B63B-2641768C517E}" type="slidenum">
+            <a:fld id="{BB184E07-CB53-49DE-8B64-8D7F35C74717}" type="slidenum">
               <a:t>&lt;#&gt;</a:t>
             </a:fld>
           </a:p>
@@ -3864,7 +3420,7 @@
             <a:spLocks noGrp="1"/>
           </p:cNvSpPr>
           <p:nvPr>
-            <p:ph type="dt" idx="1"/>
+            <p:ph type="dt" idx="3"/>
           </p:nvPr>
         </p:nvSpPr>
         <p:spPr/>
@@ -3913,7 +3469,7 @@
         <p:spPr>
           <a:xfrm>
             <a:off x="680400" y="2733840"/>
-            <a:ext cx="8143920" cy="1372680"/>
+            <a:ext cx="8143560" cy="1372320"/>
           </a:xfrm>
           <a:prstGeom prst="rect">
             <a:avLst/>
@@ -3928,11 +3484,11 @@
             <a:noAutofit/>
           </a:bodyPr>
           <a:p>
-            <a:endParaRPr b="0" lang="en-US" sz="1800" spc="-1" strike="noStrike">
-              <a:solidFill>
-                <a:srgbClr val="ffffff"/>
-              </a:solidFill>
-              <a:latin typeface="Trebuchet MS"/>
+            <a:pPr algn="ctr">
+              <a:buNone/>
+            </a:pPr>
+            <a:endParaRPr b="0" lang="en-US" sz="4400" spc="-1" strike="noStrike">
+              <a:latin typeface="Arial"/>
             </a:endParaRPr>
           </a:p>
         </p:txBody>
@@ -3965,20 +3521,8 @@
             <a:normAutofit/>
           </a:bodyPr>
           <a:p>
-            <a:pPr>
-              <a:lnSpc>
-                <a:spcPct val="90000"/>
-              </a:lnSpc>
-              <a:spcBef>
-                <a:spcPts val="1417"/>
-              </a:spcBef>
-              <a:buNone/>
-            </a:pPr>
-            <a:endParaRPr b="0" lang="en-US" sz="2400" spc="-1" strike="noStrike">
-              <a:solidFill>
-                <a:srgbClr val="ffffff"/>
-              </a:solidFill>
-              <a:latin typeface="Trebuchet MS"/>
+            <a:endParaRPr b="0" lang="en-US" sz="3200" spc="-1" strike="noStrike">
+              <a:latin typeface="Arial"/>
             </a:endParaRPr>
           </a:p>
         </p:txBody>
@@ -4011,20 +3555,8 @@
             <a:normAutofit/>
           </a:bodyPr>
           <a:p>
-            <a:pPr>
-              <a:lnSpc>
-                <a:spcPct val="90000"/>
-              </a:lnSpc>
-              <a:spcBef>
-                <a:spcPts val="1417"/>
-              </a:spcBef>
-              <a:buNone/>
-            </a:pPr>
-            <a:endParaRPr b="0" lang="en-US" sz="2400" spc="-1" strike="noStrike">
-              <a:solidFill>
-                <a:srgbClr val="ffffff"/>
-              </a:solidFill>
-              <a:latin typeface="Trebuchet MS"/>
+            <a:endParaRPr b="0" lang="en-US" sz="3200" spc="-1" strike="noStrike">
+              <a:latin typeface="Arial"/>
             </a:endParaRPr>
           </a:p>
         </p:txBody>
@@ -4036,7 +3568,7 @@
             <a:spLocks noGrp="1"/>
           </p:cNvSpPr>
           <p:nvPr>
-            <p:ph type="ftr" idx="2"/>
+            <p:ph type="ftr" idx="1"/>
           </p:nvPr>
         </p:nvSpPr>
         <p:spPr/>
@@ -4056,14 +3588,14 @@
             <a:spLocks noGrp="1"/>
           </p:cNvSpPr>
           <p:nvPr>
-            <p:ph type="sldNum" idx="3"/>
+            <p:ph type="sldNum" idx="2"/>
           </p:nvPr>
         </p:nvSpPr>
         <p:spPr/>
         <p:txBody>
           <a:bodyPr/>
           <a:p>
-            <a:fld id="{D7A18759-E693-4CFA-93CE-C946A5F9DF89}" type="slidenum">
+            <a:fld id="{9D7310F8-FB65-4A1A-96B9-05E9BE30C815}" type="slidenum">
               <a:t>&lt;#&gt;</a:t>
             </a:fld>
           </a:p>
@@ -4076,7 +3608,7 @@
             <a:spLocks noGrp="1"/>
           </p:cNvSpPr>
           <p:nvPr>
-            <p:ph type="dt" idx="1"/>
+            <p:ph type="dt" idx="3"/>
           </p:nvPr>
         </p:nvSpPr>
         <p:spPr/>
@@ -4125,7 +3657,7 @@
         <p:spPr>
           <a:xfrm>
             <a:off x="680400" y="2733840"/>
-            <a:ext cx="8143920" cy="1372680"/>
+            <a:ext cx="8143560" cy="1372320"/>
           </a:xfrm>
           <a:prstGeom prst="rect">
             <a:avLst/>
@@ -4140,11 +3672,11 @@
             <a:noAutofit/>
           </a:bodyPr>
           <a:p>
-            <a:endParaRPr b="0" lang="en-US" sz="1800" spc="-1" strike="noStrike">
-              <a:solidFill>
-                <a:srgbClr val="ffffff"/>
-              </a:solidFill>
-              <a:latin typeface="Trebuchet MS"/>
+            <a:pPr algn="ctr">
+              <a:buNone/>
+            </a:pPr>
+            <a:endParaRPr b="0" lang="en-US" sz="4400" spc="-1" strike="noStrike">
+              <a:latin typeface="Arial"/>
             </a:endParaRPr>
           </a:p>
         </p:txBody>
@@ -4156,7 +3688,7 @@
             <a:spLocks noGrp="1"/>
           </p:cNvSpPr>
           <p:nvPr>
-            <p:ph type="ftr" idx="2"/>
+            <p:ph type="ftr" idx="1"/>
           </p:nvPr>
         </p:nvSpPr>
         <p:spPr/>
@@ -4176,14 +3708,14 @@
             <a:spLocks noGrp="1"/>
           </p:cNvSpPr>
           <p:nvPr>
-            <p:ph type="sldNum" idx="3"/>
+            <p:ph type="sldNum" idx="2"/>
           </p:nvPr>
         </p:nvSpPr>
         <p:spPr/>
         <p:txBody>
           <a:bodyPr/>
           <a:p>
-            <a:fld id="{C4E5F676-D6D3-4773-A0D8-2632D5C2885C}" type="slidenum">
+            <a:fld id="{864EF653-D8EB-410F-AE6C-20021B735D67}" type="slidenum">
               <a:t>&lt;#&gt;</a:t>
             </a:fld>
           </a:p>
@@ -4196,7 +3728,7 @@
             <a:spLocks noGrp="1"/>
           </p:cNvSpPr>
           <p:nvPr>
-            <p:ph type="dt" idx="1"/>
+            <p:ph type="dt" idx="3"/>
           </p:nvPr>
         </p:nvSpPr>
         <p:spPr/>
@@ -4245,7 +3777,7 @@
         <p:spPr>
           <a:xfrm>
             <a:off x="680400" y="2733840"/>
-            <a:ext cx="8143920" cy="6364080"/>
+            <a:ext cx="8143560" cy="6362640"/>
           </a:xfrm>
           <a:prstGeom prst="rect">
             <a:avLst/>
@@ -4276,7 +3808,7 @@
             <a:spLocks noGrp="1"/>
           </p:cNvSpPr>
           <p:nvPr>
-            <p:ph type="ftr" idx="2"/>
+            <p:ph type="ftr" idx="1"/>
           </p:nvPr>
         </p:nvSpPr>
         <p:spPr/>
@@ -4296,14 +3828,14 @@
             <a:spLocks noGrp="1"/>
           </p:cNvSpPr>
           <p:nvPr>
-            <p:ph type="sldNum" idx="3"/>
+            <p:ph type="sldNum" idx="2"/>
           </p:nvPr>
         </p:nvSpPr>
         <p:spPr/>
         <p:txBody>
           <a:bodyPr/>
           <a:p>
-            <a:fld id="{3B34D299-A47C-48A7-A60F-57914BE255F8}" type="slidenum">
+            <a:fld id="{3C4A7DC2-A318-4603-BECE-1B82A16D850B}" type="slidenum">
               <a:t>&lt;#&gt;</a:t>
             </a:fld>
           </a:p>
@@ -4316,7 +3848,7 @@
             <a:spLocks noGrp="1"/>
           </p:cNvSpPr>
           <p:nvPr>
-            <p:ph type="dt" idx="1"/>
+            <p:ph type="dt" idx="3"/>
           </p:nvPr>
         </p:nvSpPr>
         <p:spPr/>
@@ -4365,7 +3897,7 @@
         <p:spPr>
           <a:xfrm>
             <a:off x="680400" y="2733840"/>
-            <a:ext cx="8143920" cy="1372680"/>
+            <a:ext cx="8143560" cy="1372320"/>
           </a:xfrm>
           <a:prstGeom prst="rect">
             <a:avLst/>
@@ -4380,11 +3912,11 @@
             <a:noAutofit/>
           </a:bodyPr>
           <a:p>
-            <a:endParaRPr b="0" lang="en-US" sz="1800" spc="-1" strike="noStrike">
-              <a:solidFill>
-                <a:srgbClr val="ffffff"/>
-              </a:solidFill>
-              <a:latin typeface="Trebuchet MS"/>
+            <a:pPr algn="ctr">
+              <a:buNone/>
+            </a:pPr>
+            <a:endParaRPr b="0" lang="en-US" sz="4400" spc="-1" strike="noStrike">
+              <a:latin typeface="Arial"/>
             </a:endParaRPr>
           </a:p>
         </p:txBody>
@@ -4417,20 +3949,8 @@
             <a:normAutofit/>
           </a:bodyPr>
           <a:p>
-            <a:pPr>
-              <a:lnSpc>
-                <a:spcPct val="90000"/>
-              </a:lnSpc>
-              <a:spcBef>
-                <a:spcPts val="1417"/>
-              </a:spcBef>
-              <a:buNone/>
-            </a:pPr>
-            <a:endParaRPr b="0" lang="en-US" sz="2400" spc="-1" strike="noStrike">
-              <a:solidFill>
-                <a:srgbClr val="ffffff"/>
-              </a:solidFill>
-              <a:latin typeface="Trebuchet MS"/>
+            <a:endParaRPr b="0" lang="en-US" sz="3200" spc="-1" strike="noStrike">
+              <a:latin typeface="Arial"/>
             </a:endParaRPr>
           </a:p>
         </p:txBody>
@@ -4463,20 +3983,8 @@
             <a:normAutofit/>
           </a:bodyPr>
           <a:p>
-            <a:pPr>
-              <a:lnSpc>
-                <a:spcPct val="90000"/>
-              </a:lnSpc>
-              <a:spcBef>
-                <a:spcPts val="1417"/>
-              </a:spcBef>
-              <a:buNone/>
-            </a:pPr>
-            <a:endParaRPr b="0" lang="en-US" sz="2400" spc="-1" strike="noStrike">
-              <a:solidFill>
-                <a:srgbClr val="ffffff"/>
-              </a:solidFill>
-              <a:latin typeface="Trebuchet MS"/>
+            <a:endParaRPr b="0" lang="en-US" sz="3200" spc="-1" strike="noStrike">
+              <a:latin typeface="Arial"/>
             </a:endParaRPr>
           </a:p>
         </p:txBody>
@@ -4509,20 +4017,8 @@
             <a:normAutofit/>
           </a:bodyPr>
           <a:p>
-            <a:pPr>
-              <a:lnSpc>
-                <a:spcPct val="90000"/>
-              </a:lnSpc>
-              <a:spcBef>
-                <a:spcPts val="1417"/>
-              </a:spcBef>
-              <a:buNone/>
-            </a:pPr>
-            <a:endParaRPr b="0" lang="en-US" sz="2400" spc="-1" strike="noStrike">
-              <a:solidFill>
-                <a:srgbClr val="ffffff"/>
-              </a:solidFill>
-              <a:latin typeface="Trebuchet MS"/>
+            <a:endParaRPr b="0" lang="en-US" sz="3200" spc="-1" strike="noStrike">
+              <a:latin typeface="Arial"/>
             </a:endParaRPr>
           </a:p>
         </p:txBody>
@@ -4534,7 +4030,7 @@
             <a:spLocks noGrp="1"/>
           </p:cNvSpPr>
           <p:nvPr>
-            <p:ph type="ftr" idx="2"/>
+            <p:ph type="ftr" idx="1"/>
           </p:nvPr>
         </p:nvSpPr>
         <p:spPr/>
@@ -4554,14 +4050,14 @@
             <a:spLocks noGrp="1"/>
           </p:cNvSpPr>
           <p:nvPr>
-            <p:ph type="sldNum" idx="3"/>
+            <p:ph type="sldNum" idx="2"/>
           </p:nvPr>
         </p:nvSpPr>
         <p:spPr/>
         <p:txBody>
           <a:bodyPr/>
           <a:p>
-            <a:fld id="{2E944EB8-FE5B-447C-9951-0E743FBF7B21}" type="slidenum">
+            <a:fld id="{E48FB2B4-6C5E-46F6-9D11-68C9DCDEC581}" type="slidenum">
               <a:t>&lt;#&gt;</a:t>
             </a:fld>
           </a:p>
@@ -4574,7 +4070,7 @@
             <a:spLocks noGrp="1"/>
           </p:cNvSpPr>
           <p:nvPr>
-            <p:ph type="dt" idx="1"/>
+            <p:ph type="dt" idx="3"/>
           </p:nvPr>
         </p:nvSpPr>
         <p:spPr/>
@@ -4623,7 +4119,7 @@
         <p:spPr>
           <a:xfrm>
             <a:off x="680400" y="2733840"/>
-            <a:ext cx="8143920" cy="1372680"/>
+            <a:ext cx="8143560" cy="1372320"/>
           </a:xfrm>
           <a:prstGeom prst="rect">
             <a:avLst/>
@@ -4638,11 +4134,11 @@
             <a:noAutofit/>
           </a:bodyPr>
           <a:p>
-            <a:endParaRPr b="0" lang="en-US" sz="1800" spc="-1" strike="noStrike">
-              <a:solidFill>
-                <a:srgbClr val="ffffff"/>
-              </a:solidFill>
-              <a:latin typeface="Trebuchet MS"/>
+            <a:pPr algn="ctr">
+              <a:buNone/>
+            </a:pPr>
+            <a:endParaRPr b="0" lang="en-US" sz="4400" spc="-1" strike="noStrike">
+              <a:latin typeface="Arial"/>
             </a:endParaRPr>
           </a:p>
         </p:txBody>
@@ -4675,20 +4171,8 @@
             <a:normAutofit/>
           </a:bodyPr>
           <a:p>
-            <a:pPr>
-              <a:lnSpc>
-                <a:spcPct val="90000"/>
-              </a:lnSpc>
-              <a:spcBef>
-                <a:spcPts val="1417"/>
-              </a:spcBef>
-              <a:buNone/>
-            </a:pPr>
-            <a:endParaRPr b="0" lang="en-US" sz="2400" spc="-1" strike="noStrike">
-              <a:solidFill>
-                <a:srgbClr val="ffffff"/>
-              </a:solidFill>
-              <a:latin typeface="Trebuchet MS"/>
+            <a:endParaRPr b="0" lang="en-US" sz="3200" spc="-1" strike="noStrike">
+              <a:latin typeface="Arial"/>
             </a:endParaRPr>
           </a:p>
         </p:txBody>
@@ -4721,20 +4205,8 @@
             <a:normAutofit/>
           </a:bodyPr>
           <a:p>
-            <a:pPr>
-              <a:lnSpc>
-                <a:spcPct val="90000"/>
-              </a:lnSpc>
-              <a:spcBef>
-                <a:spcPts val="1417"/>
-              </a:spcBef>
-              <a:buNone/>
-            </a:pPr>
-            <a:endParaRPr b="0" lang="en-US" sz="2400" spc="-1" strike="noStrike">
-              <a:solidFill>
-                <a:srgbClr val="ffffff"/>
-              </a:solidFill>
-              <a:latin typeface="Trebuchet MS"/>
+            <a:endParaRPr b="0" lang="en-US" sz="3200" spc="-1" strike="noStrike">
+              <a:latin typeface="Arial"/>
             </a:endParaRPr>
           </a:p>
         </p:txBody>
@@ -4767,20 +4239,8 @@
             <a:normAutofit/>
           </a:bodyPr>
           <a:p>
-            <a:pPr>
-              <a:lnSpc>
-                <a:spcPct val="90000"/>
-              </a:lnSpc>
-              <a:spcBef>
-                <a:spcPts val="1417"/>
-              </a:spcBef>
-              <a:buNone/>
-            </a:pPr>
-            <a:endParaRPr b="0" lang="en-US" sz="2400" spc="-1" strike="noStrike">
-              <a:solidFill>
-                <a:srgbClr val="ffffff"/>
-              </a:solidFill>
-              <a:latin typeface="Trebuchet MS"/>
+            <a:endParaRPr b="0" lang="en-US" sz="3200" spc="-1" strike="noStrike">
+              <a:latin typeface="Arial"/>
             </a:endParaRPr>
           </a:p>
         </p:txBody>
@@ -4792,7 +4252,7 @@
             <a:spLocks noGrp="1"/>
           </p:cNvSpPr>
           <p:nvPr>
-            <p:ph type="ftr" idx="2"/>
+            <p:ph type="ftr" idx="1"/>
           </p:nvPr>
         </p:nvSpPr>
         <p:spPr/>
@@ -4812,14 +4272,14 @@
             <a:spLocks noGrp="1"/>
           </p:cNvSpPr>
           <p:nvPr>
-            <p:ph type="sldNum" idx="3"/>
+            <p:ph type="sldNum" idx="2"/>
           </p:nvPr>
         </p:nvSpPr>
         <p:spPr/>
         <p:txBody>
           <a:bodyPr/>
           <a:p>
-            <a:fld id="{78255673-92DE-4E86-AF13-0166A7243F0E}" type="slidenum">
+            <a:fld id="{838ECB1D-C08A-47B9-B57A-43E9305AF047}" type="slidenum">
               <a:t>&lt;#&gt;</a:t>
             </a:fld>
           </a:p>
@@ -4832,7 +4292,7 @@
             <a:spLocks noGrp="1"/>
           </p:cNvSpPr>
           <p:nvPr>
-            <p:ph type="dt" idx="1"/>
+            <p:ph type="dt" idx="3"/>
           </p:nvPr>
         </p:nvSpPr>
         <p:spPr/>
@@ -4881,7 +4341,7 @@
         <p:spPr>
           <a:xfrm>
             <a:off x="680400" y="2733840"/>
-            <a:ext cx="8143920" cy="1372680"/>
+            <a:ext cx="8143560" cy="1372320"/>
           </a:xfrm>
           <a:prstGeom prst="rect">
             <a:avLst/>
@@ -4896,11 +4356,11 @@
             <a:noAutofit/>
           </a:bodyPr>
           <a:p>
-            <a:endParaRPr b="0" lang="en-US" sz="1800" spc="-1" strike="noStrike">
-              <a:solidFill>
-                <a:srgbClr val="ffffff"/>
-              </a:solidFill>
-              <a:latin typeface="Trebuchet MS"/>
+            <a:pPr algn="ctr">
+              <a:buNone/>
+            </a:pPr>
+            <a:endParaRPr b="0" lang="en-US" sz="4400" spc="-1" strike="noStrike">
+              <a:latin typeface="Arial"/>
             </a:endParaRPr>
           </a:p>
         </p:txBody>
@@ -4933,20 +4393,8 @@
             <a:normAutofit/>
           </a:bodyPr>
           <a:p>
-            <a:pPr>
-              <a:lnSpc>
-                <a:spcPct val="90000"/>
-              </a:lnSpc>
-              <a:spcBef>
-                <a:spcPts val="1417"/>
-              </a:spcBef>
-              <a:buNone/>
-            </a:pPr>
-            <a:endParaRPr b="0" lang="en-US" sz="2400" spc="-1" strike="noStrike">
-              <a:solidFill>
-                <a:srgbClr val="ffffff"/>
-              </a:solidFill>
-              <a:latin typeface="Trebuchet MS"/>
+            <a:endParaRPr b="0" lang="en-US" sz="3200" spc="-1" strike="noStrike">
+              <a:latin typeface="Arial"/>
             </a:endParaRPr>
           </a:p>
         </p:txBody>
@@ -4979,20 +4427,8 @@
             <a:normAutofit/>
           </a:bodyPr>
           <a:p>
-            <a:pPr>
-              <a:lnSpc>
-                <a:spcPct val="90000"/>
-              </a:lnSpc>
-              <a:spcBef>
-                <a:spcPts val="1417"/>
-              </a:spcBef>
-              <a:buNone/>
-            </a:pPr>
-            <a:endParaRPr b="0" lang="en-US" sz="2400" spc="-1" strike="noStrike">
-              <a:solidFill>
-                <a:srgbClr val="ffffff"/>
-              </a:solidFill>
-              <a:latin typeface="Trebuchet MS"/>
+            <a:endParaRPr b="0" lang="en-US" sz="3200" spc="-1" strike="noStrike">
+              <a:latin typeface="Arial"/>
             </a:endParaRPr>
           </a:p>
         </p:txBody>
@@ -5025,20 +4461,8 @@
             <a:normAutofit/>
           </a:bodyPr>
           <a:p>
-            <a:pPr>
-              <a:lnSpc>
-                <a:spcPct val="90000"/>
-              </a:lnSpc>
-              <a:spcBef>
-                <a:spcPts val="1417"/>
-              </a:spcBef>
-              <a:buNone/>
-            </a:pPr>
-            <a:endParaRPr b="0" lang="en-US" sz="2400" spc="-1" strike="noStrike">
-              <a:solidFill>
-                <a:srgbClr val="ffffff"/>
-              </a:solidFill>
-              <a:latin typeface="Trebuchet MS"/>
+            <a:endParaRPr b="0" lang="en-US" sz="3200" spc="-1" strike="noStrike">
+              <a:latin typeface="Arial"/>
             </a:endParaRPr>
           </a:p>
         </p:txBody>
@@ -5050,7 +4474,7 @@
             <a:spLocks noGrp="1"/>
           </p:cNvSpPr>
           <p:nvPr>
-            <p:ph type="ftr" idx="2"/>
+            <p:ph type="ftr" idx="1"/>
           </p:nvPr>
         </p:nvSpPr>
         <p:spPr/>
@@ -5070,14 +4494,14 @@
             <a:spLocks noGrp="1"/>
           </p:cNvSpPr>
           <p:nvPr>
-            <p:ph type="sldNum" idx="3"/>
+            <p:ph type="sldNum" idx="2"/>
           </p:nvPr>
         </p:nvSpPr>
         <p:spPr/>
         <p:txBody>
           <a:bodyPr/>
           <a:p>
-            <a:fld id="{99D9EB5B-F2D7-4E9C-89A3-47E49146A602}" type="slidenum">
+            <a:fld id="{3F46A060-6AC0-4863-8D48-200201730DC0}" type="slidenum">
               <a:t>&lt;#&gt;</a:t>
             </a:fld>
           </a:p>
@@ -5090,7 +4514,7 @@
             <a:spLocks noGrp="1"/>
           </p:cNvSpPr>
           <p:nvPr>
-            <p:ph type="dt" idx="1"/>
+            <p:ph type="dt" idx="3"/>
           </p:nvPr>
         </p:nvSpPr>
         <p:spPr/>
@@ -5156,7 +4580,7 @@
         <p:spPr>
           <a:xfrm>
             <a:off x="0" y="0"/>
-            <a:ext cx="12191760" cy="6857640"/>
+            <a:ext cx="12191400" cy="6857280"/>
           </a:xfrm>
           <a:prstGeom prst="rect">
             <a:avLst/>
@@ -5179,7 +4603,7 @@
         <p:spPr>
           <a:xfrm>
             <a:off x="0" y="4242960"/>
-            <a:ext cx="8967600" cy="275760"/>
+            <a:ext cx="8967240" cy="275400"/>
           </a:xfrm>
           <a:prstGeom prst="rect">
             <a:avLst/>
@@ -5202,7 +4626,7 @@
         <p:spPr>
           <a:xfrm>
             <a:off x="9111600" y="4243680"/>
-            <a:ext cx="3076920" cy="276480"/>
+            <a:ext cx="3076560" cy="276120"/>
           </a:xfrm>
           <a:prstGeom prst="rect">
             <a:avLst/>
@@ -5221,7 +4645,7 @@
         <p:spPr>
           <a:xfrm>
             <a:off x="0" y="2590200"/>
-            <a:ext cx="8967600" cy="1659960"/>
+            <a:ext cx="8967240" cy="1659600"/>
           </a:xfrm>
           <a:prstGeom prst="rect">
             <a:avLst/>
@@ -5260,7 +4684,7 @@
         <p:spPr>
           <a:xfrm>
             <a:off x="9111600" y="2590200"/>
-            <a:ext cx="3076920" cy="1659960"/>
+            <a:ext cx="3076560" cy="1659600"/>
           </a:xfrm>
           <a:prstGeom prst="rect">
             <a:avLst/>
@@ -5300,7 +4724,7 @@
         <p:spPr>
           <a:xfrm>
             <a:off x="680400" y="2733840"/>
-            <a:ext cx="8143920" cy="1372680"/>
+            <a:ext cx="8143560" cy="1372320"/>
           </a:xfrm>
           <a:prstGeom prst="rect">
             <a:avLst/>
@@ -5311,30 +4735,18 @@
           </a:ln>
         </p:spPr>
         <p:txBody>
-          <a:bodyPr anchor="b">
+          <a:bodyPr lIns="0" rIns="0" tIns="0" bIns="0" anchor="ctr">
             <a:noAutofit/>
           </a:bodyPr>
           <a:p>
-            <a:pPr algn="r">
-              <a:lnSpc>
-                <a:spcPct val="90000"/>
-              </a:lnSpc>
-              <a:buNone/>
-            </a:pPr>
-            <a:r>
-              <a:rPr b="0" lang="en-US" sz="5400" spc="-1" strike="noStrike">
-                <a:solidFill>
-                  <a:srgbClr val="ffffff"/>
-                </a:solidFill>
-                <a:latin typeface="Trebuchet MS"/>
-              </a:rPr>
-              <a:t>Click to edit Master title style</a:t>
-            </a:r>
-            <a:endParaRPr b="0" lang="en-US" sz="5400" spc="-1" strike="noStrike">
-              <a:solidFill>
-                <a:srgbClr val="ffffff"/>
-              </a:solidFill>
-              <a:latin typeface="Trebuchet MS"/>
+            <a:r>
+              <a:rPr b="0" lang="en-US" sz="1800" spc="-1" strike="noStrike">
+                <a:latin typeface="Arial"/>
+              </a:rPr>
+              <a:t>Click to edit the title text format</a:t>
+            </a:r>
+            <a:endParaRPr b="0" lang="en-US" sz="1800" spc="-1" strike="noStrike">
+              <a:latin typeface="Arial"/>
             </a:endParaRPr>
           </a:p>
         </p:txBody>
@@ -5346,13 +4758,13 @@
             <a:spLocks noGrp="1"/>
           </p:cNvSpPr>
           <p:nvPr>
-            <p:ph type="dt" idx="1"/>
-          </p:nvPr>
-        </p:nvSpPr>
-        <p:spPr>
-          <a:xfrm>
-            <a:off x="7551000" y="5936040"/>
-            <a:ext cx="2742840" cy="364680"/>
+            <p:ph type="ftr" idx="1"/>
+          </p:nvPr>
+        </p:nvSpPr>
+        <p:spPr>
+          <a:xfrm>
+            <a:off x="680400" y="5936040"/>
+            <a:ext cx="6869880" cy="364320"/>
           </a:xfrm>
           <a:prstGeom prst="rect">
             <a:avLst/>
@@ -5363,74 +4775,14 @@
           </a:ln>
         </p:spPr>
         <p:txBody>
-          <a:bodyPr anchor="ctr">
-            <a:noAutofit/>
-          </a:bodyPr>
-          <a:lstStyle>
-            <a:lvl1pPr algn="r">
-              <a:lnSpc>
-                <a:spcPct val="100000"/>
-              </a:lnSpc>
-              <a:buNone/>
-              <a:defRPr b="0" lang="en-US" sz="1050" spc="-1" strike="noStrike">
-                <a:solidFill>
-                  <a:srgbClr val="ffffff"/>
-                </a:solidFill>
-                <a:latin typeface="Trebuchet MS"/>
-              </a:defRPr>
-            </a:lvl1pPr>
-          </a:lstStyle>
-          <a:p>
-            <a:pPr algn="r">
-              <a:lnSpc>
-                <a:spcPct val="100000"/>
-              </a:lnSpc>
-              <a:buNone/>
-            </a:pPr>
-            <a:r>
-              <a:rPr b="0" lang="en-US" sz="1050" spc="-1" strike="noStrike">
-                <a:solidFill>
-                  <a:srgbClr val="ffffff"/>
-                </a:solidFill>
-                <a:latin typeface="Trebuchet MS"/>
-              </a:rPr>
-              <a:t> </a:t>
-            </a:r>
-            <a:endParaRPr b="0" lang="en-US" sz="1050" spc="-1" strike="noStrike">
-              <a:latin typeface="Times New Roman"/>
-            </a:endParaRPr>
-          </a:p>
-        </p:txBody>
-      </p:sp>
-      <p:sp>
-        <p:nvSpPr>
-          <p:cNvPr id="7" name="PlaceHolder 3"/>
-          <p:cNvSpPr>
-            <a:spLocks noGrp="1"/>
-          </p:cNvSpPr>
-          <p:nvPr>
-            <p:ph type="ftr" idx="2"/>
-          </p:nvPr>
-        </p:nvSpPr>
-        <p:spPr>
-          <a:xfrm>
-            <a:off x="680400" y="5936040"/>
-            <a:ext cx="6870240" cy="364680"/>
-          </a:xfrm>
-          <a:prstGeom prst="rect">
-            <a:avLst/>
-          </a:prstGeom>
-          <a:noFill/>
-          <a:ln w="0">
-            <a:noFill/>
-          </a:ln>
-        </p:spPr>
-        <p:txBody>
-          <a:bodyPr anchor="ctr">
+          <a:bodyPr lIns="90000" rIns="90000" tIns="45000" bIns="45000" anchor="ctr">
             <a:noAutofit/>
           </a:bodyPr>
           <a:lstStyle>
             <a:lvl1pPr algn="ctr">
+              <a:lnSpc>
+                <a:spcPct val="100000"/>
+              </a:lnSpc>
               <a:buNone/>
               <a:defRPr b="0" lang="en-US" sz="1400" spc="-1" strike="noStrike">
                 <a:latin typeface="Times New Roman"/>
@@ -5439,13 +4791,16 @@
           </a:lstStyle>
           <a:p>
             <a:pPr algn="ctr">
+              <a:lnSpc>
+                <a:spcPct val="100000"/>
+              </a:lnSpc>
               <a:buNone/>
             </a:pPr>
             <a:r>
               <a:rPr b="0" lang="en-US" sz="1400" spc="-1" strike="noStrike">
                 <a:latin typeface="Times New Roman"/>
               </a:rPr>
-              <a:t> </a:t>
+              <a:t>&lt;footer&gt;</a:t>
             </a:r>
             <a:endParaRPr b="0" lang="en-US" sz="1400" spc="-1" strike="noStrike">
               <a:latin typeface="Times New Roman"/>
@@ -5455,18 +4810,18 @@
       </p:sp>
       <p:sp>
         <p:nvSpPr>
-          <p:cNvPr id="8" name="PlaceHolder 4"/>
-          <p:cNvSpPr>
-            <a:spLocks noGrp="1"/>
-          </p:cNvSpPr>
-          <p:nvPr>
-            <p:ph type="sldNum" idx="3"/>
+          <p:cNvPr id="7" name="PlaceHolder 3"/>
+          <p:cNvSpPr>
+            <a:spLocks noGrp="1"/>
+          </p:cNvSpPr>
+          <p:nvPr>
+            <p:ph type="sldNum" idx="2"/>
           </p:nvPr>
         </p:nvSpPr>
         <p:spPr>
           <a:xfrm>
             <a:off x="9255240" y="2750400"/>
-            <a:ext cx="1171440" cy="1356120"/>
+            <a:ext cx="1171080" cy="1355760"/>
           </a:xfrm>
           <a:prstGeom prst="rect">
             <a:avLst/>
@@ -5477,7 +4832,7 @@
           </a:ln>
         </p:spPr>
         <p:txBody>
-          <a:bodyPr anchor="ctr">
+          <a:bodyPr lIns="90000" rIns="90000" tIns="45000" bIns="45000" anchor="ctr">
             <a:noAutofit/>
           </a:bodyPr>
           <a:lstStyle>
@@ -5501,14 +4856,14 @@
               </a:lnSpc>
               <a:buNone/>
             </a:pPr>
-            <a:fld id="{71B84A19-4515-4A0C-9662-0FA11D9ED8D8}" type="slidenum">
+            <a:fld id="{EE07126C-381E-4183-9C79-CA6E00372EF7}" type="slidenum">
               <a:rPr b="0" lang="en-US" sz="3600" spc="-1" strike="noStrike">
                 <a:solidFill>
                   <a:srgbClr val="ffffff"/>
                 </a:solidFill>
                 <a:latin typeface="Trebuchet MS"/>
               </a:rPr>
-              <a:t>6</a:t>
+              <a:t>&lt;number&gt;</a:t>
             </a:fld>
             <a:endParaRPr b="0" lang="en-US" sz="3600" spc="-1" strike="noStrike">
               <a:latin typeface="Times New Roman"/>
@@ -5518,6 +4873,53 @@
       </p:sp>
       <p:sp>
         <p:nvSpPr>
+          <p:cNvPr id="8" name="PlaceHolder 4"/>
+          <p:cNvSpPr>
+            <a:spLocks noGrp="1"/>
+          </p:cNvSpPr>
+          <p:nvPr>
+            <p:ph type="dt" idx="3"/>
+          </p:nvPr>
+        </p:nvSpPr>
+        <p:spPr>
+          <a:xfrm>
+            <a:off x="7551000" y="5936040"/>
+            <a:ext cx="2742480" cy="364320"/>
+          </a:xfrm>
+          <a:prstGeom prst="rect">
+            <a:avLst/>
+          </a:prstGeom>
+          <a:noFill/>
+          <a:ln w="0">
+            <a:noFill/>
+          </a:ln>
+        </p:spPr>
+        <p:txBody>
+          <a:bodyPr lIns="90000" rIns="90000" tIns="45000" bIns="45000" anchor="ctr">
+            <a:noAutofit/>
+          </a:bodyPr>
+          <a:lstStyle>
+            <a:lvl1pPr>
+              <a:defRPr b="0" lang="en-US" sz="1400" spc="-1" strike="noStrike">
+                <a:latin typeface="Times New Roman"/>
+              </a:defRPr>
+            </a:lvl1pPr>
+          </a:lstStyle>
+          <a:p>
+            <a:r>
+              <a:rPr b="0" lang="en-US" sz="1400" spc="-1" strike="noStrike">
+                <a:latin typeface="Times New Roman"/>
+              </a:rPr>
+              <a:t>&lt;date/time&gt;</a:t>
+            </a:r>
+            <a:endParaRPr b="0" lang="en-US" sz="1400" spc="-1" strike="noStrike">
+              <a:latin typeface="Times New Roman"/>
+            </a:endParaRPr>
+          </a:p>
+        </p:txBody>
+      </p:sp>
+      <p:sp>
+        <p:nvSpPr>
           <p:cNvPr id="9" name="PlaceHolder 5"/>
           <p:cNvSpPr>
             <a:spLocks noGrp="1"/>
@@ -5545,9 +4947,6 @@
           </a:bodyPr>
           <a:p>
             <a:pPr marL="432000" indent="-324000">
-              <a:lnSpc>
-                <a:spcPct val="90000"/>
-              </a:lnSpc>
               <a:spcBef>
                 <a:spcPts val="1417"/>
               </a:spcBef>
@@ -5559,26 +4958,17 @@
               <a:buChar char=""/>
             </a:pPr>
             <a:r>
-              <a:rPr b="0" lang="en-US" sz="2400" spc="-1" strike="noStrike">
-                <a:solidFill>
-                  <a:srgbClr val="ffffff"/>
-                </a:solidFill>
-                <a:latin typeface="Trebuchet MS"/>
+              <a:rPr b="0" lang="en-US" sz="3200" spc="-1" strike="noStrike">
+                <a:latin typeface="Arial"/>
               </a:rPr>
               <a:t>Click to edit the outline text format</a:t>
             </a:r>
-            <a:endParaRPr b="0" lang="en-US" sz="2400" spc="-1" strike="noStrike">
-              <a:solidFill>
-                <a:srgbClr val="ffffff"/>
-              </a:solidFill>
-              <a:latin typeface="Trebuchet MS"/>
+            <a:endParaRPr b="0" lang="en-US" sz="3200" spc="-1" strike="noStrike">
+              <a:latin typeface="Arial"/>
             </a:endParaRPr>
           </a:p>
           <a:p>
             <a:pPr lvl="1" marL="864000" indent="-324000">
-              <a:lnSpc>
-                <a:spcPct val="90000"/>
-              </a:lnSpc>
               <a:spcBef>
                 <a:spcPts val="1134"/>
               </a:spcBef>
@@ -5590,26 +4980,17 @@
               <a:buChar char=""/>
             </a:pPr>
             <a:r>
-              <a:rPr b="0" lang="en-US" sz="1800" spc="-1" strike="noStrike">
-                <a:solidFill>
-                  <a:srgbClr val="ffffff"/>
-                </a:solidFill>
-                <a:latin typeface="Trebuchet MS"/>
+              <a:rPr b="0" lang="en-US" sz="2800" spc="-1" strike="noStrike">
+                <a:latin typeface="Arial"/>
               </a:rPr>
               <a:t>Second Outline Level</a:t>
             </a:r>
-            <a:endParaRPr b="0" lang="en-US" sz="1800" spc="-1" strike="noStrike">
-              <a:solidFill>
-                <a:srgbClr val="ffffff"/>
-              </a:solidFill>
-              <a:latin typeface="Trebuchet MS"/>
+            <a:endParaRPr b="0" lang="en-US" sz="2800" spc="-1" strike="noStrike">
+              <a:latin typeface="Arial"/>
             </a:endParaRPr>
           </a:p>
           <a:p>
             <a:pPr lvl="2" marL="1296000" indent="-288000">
-              <a:lnSpc>
-                <a:spcPct val="90000"/>
-              </a:lnSpc>
               <a:spcBef>
                 <a:spcPts val="850"/>
               </a:spcBef>
@@ -5621,26 +5002,17 @@
               <a:buChar char=""/>
             </a:pPr>
             <a:r>
-              <a:rPr b="0" lang="en-US" sz="1600" spc="-1" strike="noStrike">
-                <a:solidFill>
-                  <a:srgbClr val="ffffff"/>
-                </a:solidFill>
-                <a:latin typeface="Trebuchet MS"/>
+              <a:rPr b="0" lang="en-US" sz="2400" spc="-1" strike="noStrike">
+                <a:latin typeface="Arial"/>
               </a:rPr>
               <a:t>Third Outline Level</a:t>
             </a:r>
-            <a:endParaRPr b="0" lang="en-US" sz="1600" spc="-1" strike="noStrike">
-              <a:solidFill>
-                <a:srgbClr val="ffffff"/>
-              </a:solidFill>
-              <a:latin typeface="Trebuchet MS"/>
+            <a:endParaRPr b="0" lang="en-US" sz="2400" spc="-1" strike="noStrike">
+              <a:latin typeface="Arial"/>
             </a:endParaRPr>
           </a:p>
           <a:p>
             <a:pPr lvl="3" marL="1728000" indent="-216000">
-              <a:lnSpc>
-                <a:spcPct val="90000"/>
-              </a:lnSpc>
               <a:spcBef>
                 <a:spcPts val="567"/>
               </a:spcBef>
@@ -5652,26 +5024,17 @@
               <a:buChar char=""/>
             </a:pPr>
             <a:r>
-              <a:rPr b="0" lang="en-US" sz="1600" spc="-1" strike="noStrike">
-                <a:solidFill>
-                  <a:srgbClr val="ffffff"/>
-                </a:solidFill>
-                <a:latin typeface="Trebuchet MS"/>
+              <a:rPr b="0" lang="en-US" sz="2000" spc="-1" strike="noStrike">
+                <a:latin typeface="Arial"/>
               </a:rPr>
               <a:t>Fourth Outline Level</a:t>
             </a:r>
-            <a:endParaRPr b="0" lang="en-US" sz="1600" spc="-1" strike="noStrike">
-              <a:solidFill>
-                <a:srgbClr val="ffffff"/>
-              </a:solidFill>
-              <a:latin typeface="Trebuchet MS"/>
+            <a:endParaRPr b="0" lang="en-US" sz="2000" spc="-1" strike="noStrike">
+              <a:latin typeface="Arial"/>
             </a:endParaRPr>
           </a:p>
           <a:p>
             <a:pPr lvl="4" marL="2160000" indent="-216000">
-              <a:lnSpc>
-                <a:spcPct val="90000"/>
-              </a:lnSpc>
               <a:spcBef>
                 <a:spcPts val="283"/>
               </a:spcBef>
@@ -5684,25 +5047,16 @@
             </a:pPr>
             <a:r>
               <a:rPr b="0" lang="en-US" sz="2000" spc="-1" strike="noStrike">
-                <a:solidFill>
-                  <a:srgbClr val="ffffff"/>
-                </a:solidFill>
-                <a:latin typeface="Trebuchet MS"/>
+                <a:latin typeface="Arial"/>
               </a:rPr>
               <a:t>Fifth Outline Level</a:t>
             </a:r>
             <a:endParaRPr b="0" lang="en-US" sz="2000" spc="-1" strike="noStrike">
-              <a:solidFill>
-                <a:srgbClr val="ffffff"/>
-              </a:solidFill>
-              <a:latin typeface="Trebuchet MS"/>
+              <a:latin typeface="Arial"/>
             </a:endParaRPr>
           </a:p>
           <a:p>
             <a:pPr lvl="5" marL="2592000" indent="-216000">
-              <a:lnSpc>
-                <a:spcPct val="90000"/>
-              </a:lnSpc>
               <a:spcBef>
                 <a:spcPts val="283"/>
               </a:spcBef>
@@ -5715,25 +5069,16 @@
             </a:pPr>
             <a:r>
               <a:rPr b="0" lang="en-US" sz="2000" spc="-1" strike="noStrike">
-                <a:solidFill>
-                  <a:srgbClr val="ffffff"/>
-                </a:solidFill>
-                <a:latin typeface="Trebuchet MS"/>
+                <a:latin typeface="Arial"/>
               </a:rPr>
               <a:t>Sixth Outline Level</a:t>
             </a:r>
             <a:endParaRPr b="0" lang="en-US" sz="2000" spc="-1" strike="noStrike">
-              <a:solidFill>
-                <a:srgbClr val="ffffff"/>
-              </a:solidFill>
-              <a:latin typeface="Trebuchet MS"/>
+              <a:latin typeface="Arial"/>
             </a:endParaRPr>
           </a:p>
           <a:p>
             <a:pPr lvl="6" marL="3024000" indent="-216000">
-              <a:lnSpc>
-                <a:spcPct val="90000"/>
-              </a:lnSpc>
               <a:spcBef>
                 <a:spcPts val="283"/>
               </a:spcBef>
@@ -5746,18 +5091,12 @@
             </a:pPr>
             <a:r>
               <a:rPr b="0" lang="en-US" sz="2000" spc="-1" strike="noStrike">
-                <a:solidFill>
-                  <a:srgbClr val="ffffff"/>
-                </a:solidFill>
-                <a:latin typeface="Trebuchet MS"/>
+                <a:latin typeface="Arial"/>
               </a:rPr>
               <a:t>Seventh Outline Level</a:t>
             </a:r>
             <a:endParaRPr b="0" lang="en-US" sz="2000" spc="-1" strike="noStrike">
-              <a:solidFill>
-                <a:srgbClr val="ffffff"/>
-              </a:solidFill>
-              <a:latin typeface="Trebuchet MS"/>
+              <a:latin typeface="Arial"/>
             </a:endParaRPr>
           </a:p>
         </p:txBody>
@@ -5829,7 +5168,7 @@
         <p:spPr>
           <a:xfrm>
             <a:off x="0" y="0"/>
-            <a:ext cx="12191760" cy="6857640"/>
+            <a:ext cx="12191400" cy="6857280"/>
           </a:xfrm>
           <a:prstGeom prst="rect">
             <a:avLst/>
@@ -5852,7 +5191,7 @@
         <p:spPr>
           <a:xfrm>
             <a:off x="0" y="1970280"/>
-            <a:ext cx="10437480" cy="320760"/>
+            <a:ext cx="10437120" cy="320400"/>
           </a:xfrm>
           <a:prstGeom prst="rect">
             <a:avLst/>
@@ -5875,7 +5214,7 @@
         <p:spPr>
           <a:xfrm>
             <a:off x="10585800" y="1971360"/>
-            <a:ext cx="1602720" cy="144000"/>
+            <a:ext cx="1602360" cy="143640"/>
           </a:xfrm>
           <a:prstGeom prst="rect">
             <a:avLst/>
@@ -5894,7 +5233,7 @@
         <p:spPr>
           <a:xfrm>
             <a:off x="0" y="609480"/>
-            <a:ext cx="10437480" cy="1368000"/>
+            <a:ext cx="10437120" cy="1367640"/>
           </a:xfrm>
           <a:prstGeom prst="rect">
             <a:avLst/>
@@ -5933,7 +5272,7 @@
         <p:spPr>
           <a:xfrm>
             <a:off x="10585800" y="609480"/>
-            <a:ext cx="1602720" cy="1368000"/>
+            <a:ext cx="1602360" cy="1367640"/>
           </a:xfrm>
           <a:prstGeom prst="rect">
             <a:avLst/>
@@ -5967,13 +5306,13 @@
             <a:spLocks noGrp="1"/>
           </p:cNvSpPr>
           <p:nvPr>
-            <p:ph type="title"/>
-          </p:nvPr>
-        </p:nvSpPr>
-        <p:spPr>
-          <a:xfrm>
-            <a:off x="680400" y="753120"/>
-            <a:ext cx="9613440" cy="1080720"/>
+            <p:ph type="ftr" idx="4"/>
+          </p:nvPr>
+        </p:nvSpPr>
+        <p:spPr>
+          <a:xfrm>
+            <a:off x="680400" y="5936040"/>
+            <a:ext cx="6869880" cy="364320"/>
           </a:xfrm>
           <a:prstGeom prst="rect">
             <a:avLst/>
@@ -5984,305 +5323,14 @@
           </a:ln>
         </p:spPr>
         <p:txBody>
-          <a:bodyPr anchor="ctr">
-            <a:noAutofit/>
-          </a:bodyPr>
-          <a:p>
-            <a:pPr>
-              <a:lnSpc>
-                <a:spcPct val="90000"/>
-              </a:lnSpc>
-              <a:buNone/>
-            </a:pPr>
-            <a:r>
-              <a:rPr b="0" lang="en-US" sz="3600" spc="-1" strike="noStrike">
-                <a:solidFill>
-                  <a:srgbClr val="ffffff"/>
-                </a:solidFill>
-                <a:latin typeface="Trebuchet MS"/>
-              </a:rPr>
-              <a:t>Click to edit Master title style</a:t>
-            </a:r>
-            <a:endParaRPr b="0" lang="en-US" sz="3600" spc="-1" strike="noStrike">
-              <a:solidFill>
-                <a:srgbClr val="ffffff"/>
-              </a:solidFill>
-              <a:latin typeface="Trebuchet MS"/>
-            </a:endParaRPr>
-          </a:p>
-        </p:txBody>
-      </p:sp>
-      <p:sp>
-        <p:nvSpPr>
-          <p:cNvPr id="52" name="PlaceHolder 2"/>
-          <p:cNvSpPr>
-            <a:spLocks noGrp="1"/>
-          </p:cNvSpPr>
-          <p:nvPr>
-            <p:ph type="body"/>
-          </p:nvPr>
-        </p:nvSpPr>
-        <p:spPr>
-          <a:xfrm>
-            <a:off x="680400" y="2336760"/>
-            <a:ext cx="9613440" cy="3598920"/>
-          </a:xfrm>
-          <a:prstGeom prst="rect">
-            <a:avLst/>
-          </a:prstGeom>
-          <a:noFill/>
-          <a:ln w="0">
-            <a:noFill/>
-          </a:ln>
-        </p:spPr>
-        <p:txBody>
-          <a:bodyPr anchor="t">
-            <a:noAutofit/>
-          </a:bodyPr>
-          <a:p>
-            <a:pPr marL="228600" indent="-228600">
-              <a:lnSpc>
-                <a:spcPct val="90000"/>
-              </a:lnSpc>
-              <a:spcBef>
-                <a:spcPts val="1001"/>
-              </a:spcBef>
-              <a:buClr>
-                <a:srgbClr val="ffffff"/>
-              </a:buClr>
-              <a:buFont typeface="Arial"/>
-              <a:buChar char="•"/>
-            </a:pPr>
-            <a:r>
-              <a:rPr b="0" lang="en-US" sz="2400" spc="-1" strike="noStrike">
-                <a:solidFill>
-                  <a:srgbClr val="ffffff"/>
-                </a:solidFill>
-                <a:latin typeface="Trebuchet MS"/>
-              </a:rPr>
-              <a:t>Click to edit Master text styles</a:t>
-            </a:r>
-            <a:endParaRPr b="0" lang="en-US" sz="2400" spc="-1" strike="noStrike">
-              <a:solidFill>
-                <a:srgbClr val="ffffff"/>
-              </a:solidFill>
-              <a:latin typeface="Trebuchet MS"/>
-            </a:endParaRPr>
-          </a:p>
-          <a:p>
-            <a:pPr lvl="1" marL="685800" indent="-228600">
-              <a:lnSpc>
-                <a:spcPct val="90000"/>
-              </a:lnSpc>
-              <a:spcBef>
-                <a:spcPts val="499"/>
-              </a:spcBef>
-              <a:buClr>
-                <a:srgbClr val="ffffff"/>
-              </a:buClr>
-              <a:buFont typeface="Arial"/>
-              <a:buChar char="•"/>
-            </a:pPr>
-            <a:r>
-              <a:rPr b="0" lang="en-US" sz="2000" spc="-1" strike="noStrike">
-                <a:solidFill>
-                  <a:srgbClr val="ffffff"/>
-                </a:solidFill>
-                <a:latin typeface="Trebuchet MS"/>
-              </a:rPr>
-              <a:t>Second level</a:t>
-            </a:r>
-            <a:endParaRPr b="0" lang="en-US" sz="2000" spc="-1" strike="noStrike">
-              <a:solidFill>
-                <a:srgbClr val="ffffff"/>
-              </a:solidFill>
-              <a:latin typeface="Trebuchet MS"/>
-            </a:endParaRPr>
-          </a:p>
-          <a:p>
-            <a:pPr lvl="2" marL="1143000" indent="-228600">
-              <a:lnSpc>
-                <a:spcPct val="90000"/>
-              </a:lnSpc>
-              <a:spcBef>
-                <a:spcPts val="499"/>
-              </a:spcBef>
-              <a:buClr>
-                <a:srgbClr val="ffffff"/>
-              </a:buClr>
-              <a:buFont typeface="Arial"/>
-              <a:buChar char="•"/>
-            </a:pPr>
-            <a:r>
-              <a:rPr b="0" lang="en-US" sz="1800" spc="-1" strike="noStrike">
-                <a:solidFill>
-                  <a:srgbClr val="ffffff"/>
-                </a:solidFill>
-                <a:latin typeface="Trebuchet MS"/>
-              </a:rPr>
-              <a:t>Third level</a:t>
-            </a:r>
-            <a:endParaRPr b="0" lang="en-US" sz="1800" spc="-1" strike="noStrike">
-              <a:solidFill>
-                <a:srgbClr val="ffffff"/>
-              </a:solidFill>
-              <a:latin typeface="Trebuchet MS"/>
-            </a:endParaRPr>
-          </a:p>
-          <a:p>
-            <a:pPr lvl="3" marL="1600200" indent="-228600">
-              <a:lnSpc>
-                <a:spcPct val="90000"/>
-              </a:lnSpc>
-              <a:spcBef>
-                <a:spcPts val="499"/>
-              </a:spcBef>
-              <a:buClr>
-                <a:srgbClr val="ffffff"/>
-              </a:buClr>
-              <a:buFont typeface="Arial"/>
-              <a:buChar char="•"/>
-            </a:pPr>
-            <a:r>
-              <a:rPr b="0" lang="en-US" sz="1600" spc="-1" strike="noStrike">
-                <a:solidFill>
-                  <a:srgbClr val="ffffff"/>
-                </a:solidFill>
-                <a:latin typeface="Trebuchet MS"/>
-              </a:rPr>
-              <a:t>Fourth level</a:t>
-            </a:r>
-            <a:endParaRPr b="0" lang="en-US" sz="1600" spc="-1" strike="noStrike">
-              <a:solidFill>
-                <a:srgbClr val="ffffff"/>
-              </a:solidFill>
-              <a:latin typeface="Trebuchet MS"/>
-            </a:endParaRPr>
-          </a:p>
-          <a:p>
-            <a:pPr lvl="4" marL="2057400" indent="-228600">
-              <a:lnSpc>
-                <a:spcPct val="90000"/>
-              </a:lnSpc>
-              <a:spcBef>
-                <a:spcPts val="499"/>
-              </a:spcBef>
-              <a:buClr>
-                <a:srgbClr val="ffffff"/>
-              </a:buClr>
-              <a:buFont typeface="Arial"/>
-              <a:buChar char="•"/>
-            </a:pPr>
-            <a:r>
-              <a:rPr b="0" lang="en-US" sz="1600" spc="-1" strike="noStrike">
-                <a:solidFill>
-                  <a:srgbClr val="ffffff"/>
-                </a:solidFill>
-                <a:latin typeface="Trebuchet MS"/>
-              </a:rPr>
-              <a:t>Fifth level</a:t>
-            </a:r>
-            <a:endParaRPr b="0" lang="en-US" sz="1600" spc="-1" strike="noStrike">
-              <a:solidFill>
-                <a:srgbClr val="ffffff"/>
-              </a:solidFill>
-              <a:latin typeface="Trebuchet MS"/>
-            </a:endParaRPr>
-          </a:p>
-        </p:txBody>
-      </p:sp>
-      <p:sp>
-        <p:nvSpPr>
-          <p:cNvPr id="53" name="PlaceHolder 3"/>
-          <p:cNvSpPr>
-            <a:spLocks noGrp="1"/>
-          </p:cNvSpPr>
-          <p:nvPr>
-            <p:ph type="dt" idx="4"/>
-          </p:nvPr>
-        </p:nvSpPr>
-        <p:spPr>
-          <a:xfrm>
-            <a:off x="7551000" y="5936040"/>
-            <a:ext cx="2742840" cy="364680"/>
-          </a:xfrm>
-          <a:prstGeom prst="rect">
-            <a:avLst/>
-          </a:prstGeom>
-          <a:noFill/>
-          <a:ln w="0">
-            <a:noFill/>
-          </a:ln>
-        </p:spPr>
-        <p:txBody>
-          <a:bodyPr anchor="ctr">
-            <a:noAutofit/>
-          </a:bodyPr>
-          <a:lstStyle>
-            <a:lvl1pPr algn="r">
-              <a:lnSpc>
-                <a:spcPct val="100000"/>
-              </a:lnSpc>
-              <a:buNone/>
-              <a:defRPr b="0" lang="en-US" sz="1050" spc="-1" strike="noStrike">
-                <a:solidFill>
-                  <a:srgbClr val="ffffff"/>
-                </a:solidFill>
-                <a:latin typeface="Trebuchet MS"/>
-              </a:defRPr>
-            </a:lvl1pPr>
-          </a:lstStyle>
-          <a:p>
-            <a:pPr algn="r">
-              <a:lnSpc>
-                <a:spcPct val="100000"/>
-              </a:lnSpc>
-              <a:buNone/>
-            </a:pPr>
-            <a:r>
-              <a:rPr b="0" lang="en-US" sz="1050" spc="-1" strike="noStrike">
-                <a:solidFill>
-                  <a:srgbClr val="ffffff"/>
-                </a:solidFill>
-                <a:latin typeface="Trebuchet MS"/>
-              </a:rPr>
-              <a:t>&lt;date/time&gt;</a:t>
-            </a:r>
-            <a:endParaRPr b="0" lang="en-US" sz="1050" spc="-1" strike="noStrike">
-              <a:latin typeface="Times New Roman"/>
-            </a:endParaRPr>
-          </a:p>
-        </p:txBody>
-      </p:sp>
-      <p:sp>
-        <p:nvSpPr>
-          <p:cNvPr id="54" name="PlaceHolder 4"/>
-          <p:cNvSpPr>
-            <a:spLocks noGrp="1"/>
-          </p:cNvSpPr>
-          <p:nvPr>
-            <p:ph type="ftr" idx="5"/>
-          </p:nvPr>
-        </p:nvSpPr>
-        <p:spPr>
-          <a:xfrm>
-            <a:off x="680400" y="5936040"/>
-            <a:ext cx="6870240" cy="364680"/>
-          </a:xfrm>
-          <a:prstGeom prst="rect">
-            <a:avLst/>
-          </a:prstGeom>
-          <a:noFill/>
-          <a:ln w="0">
-            <a:noFill/>
-          </a:ln>
-        </p:spPr>
-        <p:txBody>
-          <a:bodyPr anchor="ctr">
+          <a:bodyPr lIns="90000" rIns="90000" tIns="45000" bIns="45000" anchor="ctr">
             <a:noAutofit/>
           </a:bodyPr>
           <a:lstStyle>
             <a:lvl1pPr algn="ctr">
+              <a:lnSpc>
+                <a:spcPct val="100000"/>
+              </a:lnSpc>
               <a:buNone/>
               <a:defRPr b="0" lang="en-US" sz="1400" spc="-1" strike="noStrike">
                 <a:latin typeface="Times New Roman"/>
@@ -6291,6 +5339,9 @@
           </a:lstStyle>
           <a:p>
             <a:pPr algn="ctr">
+              <a:lnSpc>
+                <a:spcPct val="100000"/>
+              </a:lnSpc>
               <a:buNone/>
             </a:pPr>
             <a:r>
@@ -6307,18 +5358,18 @@
       </p:sp>
       <p:sp>
         <p:nvSpPr>
-          <p:cNvPr id="55" name="PlaceHolder 5"/>
-          <p:cNvSpPr>
-            <a:spLocks noGrp="1"/>
-          </p:cNvSpPr>
-          <p:nvPr>
-            <p:ph type="sldNum" idx="6"/>
+          <p:cNvPr id="52" name="PlaceHolder 2"/>
+          <p:cNvSpPr>
+            <a:spLocks noGrp="1"/>
+          </p:cNvSpPr>
+          <p:nvPr>
+            <p:ph type="sldNum" idx="5"/>
           </p:nvPr>
         </p:nvSpPr>
         <p:spPr>
           <a:xfrm>
             <a:off x="10729440" y="753120"/>
-            <a:ext cx="1153800" cy="1090440"/>
+            <a:ext cx="1153440" cy="1090080"/>
           </a:xfrm>
           <a:prstGeom prst="rect">
             <a:avLst/>
@@ -6329,7 +5380,7 @@
           </a:ln>
         </p:spPr>
         <p:txBody>
-          <a:bodyPr anchor="ctr">
+          <a:bodyPr lIns="90000" rIns="90000" tIns="45000" bIns="45000" anchor="ctr">
             <a:noAutofit/>
           </a:bodyPr>
           <a:lstStyle>
@@ -6353,7 +5404,7 @@
               </a:lnSpc>
               <a:buNone/>
             </a:pPr>
-            <a:fld id="{810723FB-F268-4AEC-A06E-D7B8B5F913D0}" type="slidenum">
+            <a:fld id="{F03170FF-12F7-4850-A063-320016984EA4}" type="slidenum">
               <a:rPr b="0" lang="en-US" sz="3600" spc="-1" strike="noStrike">
                 <a:solidFill>
                   <a:srgbClr val="ffffff"/>
@@ -6364,6 +5415,279 @@
             </a:fld>
             <a:endParaRPr b="0" lang="en-US" sz="3600" spc="-1" strike="noStrike">
               <a:latin typeface="Times New Roman"/>
+            </a:endParaRPr>
+          </a:p>
+        </p:txBody>
+      </p:sp>
+      <p:sp>
+        <p:nvSpPr>
+          <p:cNvPr id="53" name="PlaceHolder 3"/>
+          <p:cNvSpPr>
+            <a:spLocks noGrp="1"/>
+          </p:cNvSpPr>
+          <p:nvPr>
+            <p:ph type="dt" idx="6"/>
+          </p:nvPr>
+        </p:nvSpPr>
+        <p:spPr>
+          <a:xfrm>
+            <a:off x="7551000" y="5936040"/>
+            <a:ext cx="2742480" cy="364320"/>
+          </a:xfrm>
+          <a:prstGeom prst="rect">
+            <a:avLst/>
+          </a:prstGeom>
+          <a:noFill/>
+          <a:ln w="0">
+            <a:noFill/>
+          </a:ln>
+        </p:spPr>
+        <p:txBody>
+          <a:bodyPr lIns="90000" rIns="90000" tIns="45000" bIns="45000" anchor="ctr">
+            <a:noAutofit/>
+          </a:bodyPr>
+          <a:lstStyle>
+            <a:lvl1pPr>
+              <a:defRPr b="0" lang="en-US" sz="1400" spc="-1" strike="noStrike">
+                <a:latin typeface="Times New Roman"/>
+              </a:defRPr>
+            </a:lvl1pPr>
+          </a:lstStyle>
+          <a:p>
+            <a:r>
+              <a:rPr b="0" lang="en-US" sz="1400" spc="-1" strike="noStrike">
+                <a:latin typeface="Times New Roman"/>
+              </a:rPr>
+              <a:t>&lt;date/time&gt;</a:t>
+            </a:r>
+            <a:endParaRPr b="0" lang="en-US" sz="1400" spc="-1" strike="noStrike">
+              <a:latin typeface="Times New Roman"/>
+            </a:endParaRPr>
+          </a:p>
+        </p:txBody>
+      </p:sp>
+      <p:sp>
+        <p:nvSpPr>
+          <p:cNvPr id="54" name="PlaceHolder 4"/>
+          <p:cNvSpPr>
+            <a:spLocks noGrp="1"/>
+          </p:cNvSpPr>
+          <p:nvPr>
+            <p:ph type="title"/>
+          </p:nvPr>
+        </p:nvSpPr>
+        <p:spPr>
+          <a:xfrm>
+            <a:off x="609480" y="273600"/>
+            <a:ext cx="10972440" cy="1144800"/>
+          </a:xfrm>
+          <a:prstGeom prst="rect">
+            <a:avLst/>
+          </a:prstGeom>
+          <a:noFill/>
+          <a:ln w="0">
+            <a:noFill/>
+          </a:ln>
+        </p:spPr>
+        <p:txBody>
+          <a:bodyPr lIns="0" rIns="0" tIns="0" bIns="0" anchor="ctr">
+            <a:noAutofit/>
+          </a:bodyPr>
+          <a:p>
+            <a:pPr algn="ctr">
+              <a:buNone/>
+            </a:pPr>
+            <a:r>
+              <a:rPr b="0" lang="en-US" sz="4400" spc="-1" strike="noStrike">
+                <a:latin typeface="Arial"/>
+              </a:rPr>
+              <a:t>Click to edit the title text format</a:t>
+            </a:r>
+            <a:endParaRPr b="0" lang="en-US" sz="4400" spc="-1" strike="noStrike">
+              <a:latin typeface="Arial"/>
+            </a:endParaRPr>
+          </a:p>
+        </p:txBody>
+      </p:sp>
+      <p:sp>
+        <p:nvSpPr>
+          <p:cNvPr id="55" name="PlaceHolder 5"/>
+          <p:cNvSpPr>
+            <a:spLocks noGrp="1"/>
+          </p:cNvSpPr>
+          <p:nvPr>
+            <p:ph type="body"/>
+          </p:nvPr>
+        </p:nvSpPr>
+        <p:spPr>
+          <a:xfrm>
+            <a:off x="609480" y="1604520"/>
+            <a:ext cx="10972440" cy="3977280"/>
+          </a:xfrm>
+          <a:prstGeom prst="rect">
+            <a:avLst/>
+          </a:prstGeom>
+          <a:noFill/>
+          <a:ln w="0">
+            <a:noFill/>
+          </a:ln>
+        </p:spPr>
+        <p:txBody>
+          <a:bodyPr lIns="0" rIns="0" tIns="0" bIns="0" anchor="t">
+            <a:normAutofit/>
+          </a:bodyPr>
+          <a:p>
+            <a:pPr marL="432000" indent="-324000">
+              <a:spcBef>
+                <a:spcPts val="1417"/>
+              </a:spcBef>
+              <a:buClr>
+                <a:srgbClr val="000000"/>
+              </a:buClr>
+              <a:buSzPct val="45000"/>
+              <a:buFont typeface="Wingdings" charset="2"/>
+              <a:buChar char=""/>
+            </a:pPr>
+            <a:r>
+              <a:rPr b="0" lang="en-US" sz="3200" spc="-1" strike="noStrike">
+                <a:latin typeface="Arial"/>
+              </a:rPr>
+              <a:t>Click to edit the outline text format</a:t>
+            </a:r>
+            <a:endParaRPr b="0" lang="en-US" sz="3200" spc="-1" strike="noStrike">
+              <a:latin typeface="Arial"/>
+            </a:endParaRPr>
+          </a:p>
+          <a:p>
+            <a:pPr lvl="1" marL="864000" indent="-324000">
+              <a:spcBef>
+                <a:spcPts val="1134"/>
+              </a:spcBef>
+              <a:buClr>
+                <a:srgbClr val="000000"/>
+              </a:buClr>
+              <a:buSzPct val="75000"/>
+              <a:buFont typeface="Symbol" charset="2"/>
+              <a:buChar char=""/>
+            </a:pPr>
+            <a:r>
+              <a:rPr b="0" lang="en-US" sz="2800" spc="-1" strike="noStrike">
+                <a:latin typeface="Arial"/>
+              </a:rPr>
+              <a:t>Second Outline Level</a:t>
+            </a:r>
+            <a:endParaRPr b="0" lang="en-US" sz="2800" spc="-1" strike="noStrike">
+              <a:latin typeface="Arial"/>
+            </a:endParaRPr>
+          </a:p>
+          <a:p>
+            <a:pPr lvl="2" marL="1296000" indent="-288000">
+              <a:spcBef>
+                <a:spcPts val="850"/>
+              </a:spcBef>
+              <a:buClr>
+                <a:srgbClr val="000000"/>
+              </a:buClr>
+              <a:buSzPct val="45000"/>
+              <a:buFont typeface="Wingdings" charset="2"/>
+              <a:buChar char=""/>
+            </a:pPr>
+            <a:r>
+              <a:rPr b="0" lang="en-US" sz="2400" spc="-1" strike="noStrike">
+                <a:latin typeface="Arial"/>
+              </a:rPr>
+              <a:t>Third Outline Level</a:t>
+            </a:r>
+            <a:endParaRPr b="0" lang="en-US" sz="2400" spc="-1" strike="noStrike">
+              <a:latin typeface="Arial"/>
+            </a:endParaRPr>
+          </a:p>
+          <a:p>
+            <a:pPr lvl="3" marL="1728000" indent="-216000">
+              <a:spcBef>
+                <a:spcPts val="567"/>
+              </a:spcBef>
+              <a:buClr>
+                <a:srgbClr val="000000"/>
+              </a:buClr>
+              <a:buSzPct val="75000"/>
+              <a:buFont typeface="Symbol" charset="2"/>
+              <a:buChar char=""/>
+            </a:pPr>
+            <a:r>
+              <a:rPr b="0" lang="en-US" sz="2000" spc="-1" strike="noStrike">
+                <a:latin typeface="Arial"/>
+              </a:rPr>
+              <a:t>Fourth Outline Level</a:t>
+            </a:r>
+            <a:endParaRPr b="0" lang="en-US" sz="2000" spc="-1" strike="noStrike">
+              <a:latin typeface="Arial"/>
+            </a:endParaRPr>
+          </a:p>
+          <a:p>
+            <a:pPr lvl="4" marL="2160000" indent="-216000">
+              <a:spcBef>
+                <a:spcPts val="283"/>
+              </a:spcBef>
+              <a:buClr>
+                <a:srgbClr val="000000"/>
+              </a:buClr>
+              <a:buSzPct val="45000"/>
+              <a:buFont typeface="Wingdings" charset="2"/>
+              <a:buChar char=""/>
+            </a:pPr>
+            <a:r>
+              <a:rPr b="0" lang="en-US" sz="2000" spc="-1" strike="noStrike">
+                <a:latin typeface="Arial"/>
+              </a:rPr>
+              <a:t>Fifth Outline Level</a:t>
+            </a:r>
+            <a:endParaRPr b="0" lang="en-US" sz="2000" spc="-1" strike="noStrike">
+              <a:latin typeface="Arial"/>
+            </a:endParaRPr>
+          </a:p>
+          <a:p>
+            <a:pPr lvl="5" marL="2592000" indent="-216000">
+              <a:spcBef>
+                <a:spcPts val="283"/>
+              </a:spcBef>
+              <a:buClr>
+                <a:srgbClr val="000000"/>
+              </a:buClr>
+              <a:buSzPct val="45000"/>
+              <a:buFont typeface="Wingdings" charset="2"/>
+              <a:buChar char=""/>
+            </a:pPr>
+            <a:r>
+              <a:rPr b="0" lang="en-US" sz="2000" spc="-1" strike="noStrike">
+                <a:latin typeface="Arial"/>
+              </a:rPr>
+              <a:t>Sixth Outline Level</a:t>
+            </a:r>
+            <a:endParaRPr b="0" lang="en-US" sz="2000" spc="-1" strike="noStrike">
+              <a:latin typeface="Arial"/>
+            </a:endParaRPr>
+          </a:p>
+          <a:p>
+            <a:pPr lvl="6" marL="3024000" indent="-216000">
+              <a:spcBef>
+                <a:spcPts val="283"/>
+              </a:spcBef>
+              <a:buClr>
+                <a:srgbClr val="000000"/>
+              </a:buClr>
+              <a:buSzPct val="45000"/>
+              <a:buFont typeface="Wingdings" charset="2"/>
+              <a:buChar char=""/>
+            </a:pPr>
+            <a:r>
+              <a:rPr b="0" lang="en-US" sz="2000" spc="-1" strike="noStrike">
+                <a:latin typeface="Arial"/>
+              </a:rPr>
+              <a:t>Seventh Outline Level</a:t>
+            </a:r>
+            <a:endParaRPr b="0" lang="en-US" sz="2000" spc="-1" strike="noStrike">
+              <a:latin typeface="Arial"/>
             </a:endParaRPr>
           </a:p>
         </p:txBody>
@@ -6418,7 +5742,7 @@
         <p:spPr>
           <a:xfrm>
             <a:off x="680400" y="2733840"/>
-            <a:ext cx="8143920" cy="1372680"/>
+            <a:ext cx="8143560" cy="1372320"/>
           </a:xfrm>
           <a:prstGeom prst="rect">
             <a:avLst/>
@@ -6429,7 +5753,7 @@
           </a:ln>
         </p:spPr>
         <p:txBody>
-          <a:bodyPr anchor="b">
+          <a:bodyPr lIns="0" rIns="0" tIns="0" bIns="0" anchor="b">
             <a:noAutofit/>
           </a:bodyPr>
           <a:p>
@@ -6442,7 +5766,7 @@
             <a:r>
               <a:rPr b="0" lang="ru-RU" sz="5400" spc="-1" strike="noStrike">
                 <a:solidFill>
-                  <a:srgbClr val="ffffff"/>
+                  <a:srgbClr val="000000"/>
                 </a:solidFill>
                 <a:latin typeface="Trebuchet MS"/>
               </a:rPr>
@@ -6470,10 +5794,7 @@
               <a:t>(Double hashing)</a:t>
             </a:r>
             <a:endParaRPr b="0" lang="en-US" sz="2000" spc="-1" strike="noStrike">
-              <a:solidFill>
-                <a:srgbClr val="ffffff"/>
-              </a:solidFill>
-              <a:latin typeface="Trebuchet MS"/>
+              <a:latin typeface="Arial"/>
             </a:endParaRPr>
           </a:p>
         </p:txBody>
@@ -6491,7 +5812,7 @@
         <p:spPr>
           <a:xfrm>
             <a:off x="680400" y="4394160"/>
-            <a:ext cx="8143920" cy="1117440"/>
+            <a:ext cx="8143560" cy="1117080"/>
           </a:xfrm>
           <a:prstGeom prst="rect">
             <a:avLst/>
@@ -6502,7 +5823,7 @@
           </a:ln>
         </p:spPr>
         <p:txBody>
-          <a:bodyPr anchor="t">
+          <a:bodyPr lIns="0" rIns="0" tIns="0" bIns="0" anchor="t">
             <a:normAutofit/>
           </a:bodyPr>
           <a:p>
@@ -6601,7 +5922,7 @@
         <p:spPr>
           <a:xfrm>
             <a:off x="680400" y="753120"/>
-            <a:ext cx="9613440" cy="1080720"/>
+            <a:ext cx="9613080" cy="1080360"/>
           </a:xfrm>
           <a:prstGeom prst="rect">
             <a:avLst/>
@@ -6612,7 +5933,7 @@
           </a:ln>
         </p:spPr>
         <p:txBody>
-          <a:bodyPr anchor="ctr">
+          <a:bodyPr lIns="90000" rIns="90000" tIns="45000" bIns="45000" anchor="ctr">
             <a:noAutofit/>
           </a:bodyPr>
           <a:p>
@@ -6625,7 +5946,7 @@
             <a:r>
               <a:rPr b="0" lang="ru-RU" sz="3600" spc="-1" strike="noStrike">
                 <a:solidFill>
-                  <a:srgbClr val="ffffff"/>
+                  <a:srgbClr val="000000"/>
                 </a:solidFill>
                 <a:latin typeface="Trebuchet MS"/>
               </a:rPr>
@@ -6634,7 +5955,7 @@
             <a:r>
               <a:rPr b="0" lang="en-US" sz="3600" spc="-1" strike="noStrike">
                 <a:solidFill>
-                  <a:srgbClr val="ffffff"/>
+                  <a:srgbClr val="000000"/>
                 </a:solidFill>
                 <a:latin typeface="Trebuchet MS"/>
               </a:rPr>
@@ -6642,9 +5963,9 @@
             </a:r>
             <a:endParaRPr b="0" lang="en-US" sz="3600" spc="-1" strike="noStrike">
               <a:solidFill>
-                <a:srgbClr val="ffffff"/>
+                <a:srgbClr val="000000"/>
               </a:solidFill>
-              <a:latin typeface="Trebuchet MS"/>
+              <a:latin typeface="Arial"/>
             </a:endParaRPr>
           </a:p>
         </p:txBody>
@@ -6658,7 +5979,7 @@
         <p:spPr>
           <a:xfrm>
             <a:off x="5630400" y="2683800"/>
-            <a:ext cx="6188760" cy="2009880"/>
+            <a:ext cx="6188400" cy="2009880"/>
           </a:xfrm>
           <a:prstGeom prst="rect">
             <a:avLst/>
@@ -6691,6 +6012,7 @@
                   <a:srgbClr val="ffffff"/>
                 </a:solidFill>
                 <a:latin typeface="Trebuchet MS"/>
+                <a:ea typeface="DejaVu Sans"/>
               </a:rPr>
               <a:t>Открытая адресация</a:t>
             </a:r>
@@ -6700,6 +6022,7 @@
                   <a:srgbClr val="ffffff"/>
                 </a:solidFill>
                 <a:latin typeface="Trebuchet MS"/>
+                <a:ea typeface="DejaVu Sans"/>
               </a:rPr>
               <a:t> (open addressing) </a:t>
             </a:r>
@@ -6709,6 +6032,7 @@
                   <a:srgbClr val="ffffff"/>
                 </a:solidFill>
                 <a:latin typeface="Trebuchet MS"/>
+                <a:ea typeface="DejaVu Sans"/>
               </a:rPr>
               <a:t>— это метод разрешения коллизий в хеш-таблицах. С помощью этого метода конфликт хэшей разрешается путем проверки или поиска альтернативных местоположений в массиве (последовательности проверки) до тех пор, пока не будет найден</a:t>
             </a:r>
@@ -6718,6 +6042,7 @@
                   <a:srgbClr val="ffffff"/>
                 </a:solidFill>
                 <a:latin typeface="Trebuchet MS"/>
+                <a:ea typeface="DejaVu Sans"/>
               </a:rPr>
               <a:t> </a:t>
             </a:r>
@@ -6727,6 +6052,7 @@
                   <a:srgbClr val="ffffff"/>
                 </a:solidFill>
                 <a:latin typeface="Trebuchet MS"/>
+                <a:ea typeface="DejaVu Sans"/>
               </a:rPr>
               <a:t>неиспользуемый слот массива, что указывает на отсутствие такого ключа в массиве.</a:t>
             </a:r>
@@ -6745,7 +6071,7 @@
         <p:spPr>
           <a:xfrm>
             <a:off x="5652720" y="4887720"/>
-            <a:ext cx="5605920" cy="1186920"/>
+            <a:ext cx="5605560" cy="1186920"/>
           </a:xfrm>
           <a:prstGeom prst="rect">
             <a:avLst/>
@@ -6778,6 +6104,7 @@
                   <a:srgbClr val="ffffff"/>
                 </a:solidFill>
                 <a:latin typeface="Trebuchet MS"/>
+                <a:ea typeface="DejaVu Sans"/>
               </a:rPr>
               <a:t>Разделяют три основных способа пробирования:</a:t>
             </a:r>
@@ -6802,6 +6129,7 @@
                   <a:srgbClr val="ffffff"/>
                 </a:solidFill>
                 <a:latin typeface="Trebuchet MS"/>
+                <a:ea typeface="DejaVu Sans"/>
               </a:rPr>
               <a:t>Линейное пробирование (</a:t>
             </a:r>
@@ -6811,6 +6139,7 @@
                   <a:srgbClr val="ffffff"/>
                 </a:solidFill>
                 <a:latin typeface="Trebuchet MS"/>
+                <a:ea typeface="DejaVu Sans"/>
               </a:rPr>
               <a:t>Linear probing</a:t>
             </a:r>
@@ -6820,6 +6149,7 @@
                   <a:srgbClr val="ffffff"/>
                 </a:solidFill>
                 <a:latin typeface="Trebuchet MS"/>
+                <a:ea typeface="DejaVu Sans"/>
               </a:rPr>
               <a:t>)</a:t>
             </a:r>
@@ -6844,6 +6174,7 @@
                   <a:srgbClr val="ffffff"/>
                 </a:solidFill>
                 <a:latin typeface="Trebuchet MS"/>
+                <a:ea typeface="DejaVu Sans"/>
               </a:rPr>
               <a:t>Квадратичное пробирование</a:t>
             </a:r>
@@ -6853,6 +6184,7 @@
                   <a:srgbClr val="ffffff"/>
                 </a:solidFill>
                 <a:latin typeface="Trebuchet MS"/>
+                <a:ea typeface="DejaVu Sans"/>
               </a:rPr>
               <a:t> (Quadratic probing)</a:t>
             </a:r>
@@ -6877,6 +6209,7 @@
                   <a:srgbClr val="ffffff"/>
                 </a:solidFill>
                 <a:latin typeface="Trebuchet MS"/>
+                <a:ea typeface="DejaVu Sans"/>
               </a:rPr>
               <a:t>Двойное хеширование</a:t>
             </a:r>
@@ -6886,6 +6219,7 @@
                   <a:srgbClr val="ffffff"/>
                 </a:solidFill>
                 <a:latin typeface="Trebuchet MS"/>
+                <a:ea typeface="DejaVu Sans"/>
               </a:rPr>
               <a:t> (Double hashing)</a:t>
             </a:r>
@@ -6908,7 +6242,7 @@
         <p:spPr>
           <a:xfrm>
             <a:off x="195480" y="2811240"/>
-            <a:ext cx="5291280" cy="3148920"/>
+            <a:ext cx="5290920" cy="3148560"/>
           </a:xfrm>
           <a:prstGeom prst="rect">
             <a:avLst/>
@@ -6961,7 +6295,7 @@
         <p:spPr>
           <a:xfrm>
             <a:off x="680400" y="753120"/>
-            <a:ext cx="9613440" cy="1080720"/>
+            <a:ext cx="9613080" cy="1080360"/>
           </a:xfrm>
           <a:prstGeom prst="rect">
             <a:avLst/>
@@ -6972,7 +6306,7 @@
           </a:ln>
         </p:spPr>
         <p:txBody>
-          <a:bodyPr anchor="ctr">
+          <a:bodyPr lIns="90000" rIns="90000" tIns="45000" bIns="45000" anchor="ctr">
             <a:noAutofit/>
           </a:bodyPr>
           <a:p>
@@ -6985,7 +6319,7 @@
             <a:r>
               <a:rPr b="0" lang="ru-RU" sz="3600" spc="-1" strike="noStrike">
                 <a:solidFill>
-                  <a:srgbClr val="ffffff"/>
+                  <a:srgbClr val="000000"/>
                 </a:solidFill>
                 <a:latin typeface="Trebuchet MS"/>
               </a:rPr>
@@ -6993,9 +6327,9 @@
             </a:r>
             <a:endParaRPr b="0" lang="en-US" sz="3600" spc="-1" strike="noStrike">
               <a:solidFill>
-                <a:srgbClr val="ffffff"/>
+                <a:srgbClr val="000000"/>
               </a:solidFill>
-              <a:latin typeface="Trebuchet MS"/>
+              <a:latin typeface="Arial"/>
             </a:endParaRPr>
           </a:p>
         </p:txBody>
@@ -7013,7 +6347,7 @@
         <p:spPr>
           <a:xfrm>
             <a:off x="0" y="2190240"/>
-            <a:ext cx="6591240" cy="4494960"/>
+            <a:ext cx="6590880" cy="4494600"/>
           </a:xfrm>
           <a:prstGeom prst="rect">
             <a:avLst/>
@@ -7024,7 +6358,7 @@
           </a:ln>
         </p:spPr>
         <p:txBody>
-          <a:bodyPr anchor="t">
+          <a:bodyPr lIns="90000" rIns="90000" tIns="45000" bIns="45000" anchor="t">
             <a:normAutofit fontScale="85000"/>
           </a:bodyPr>
           <a:p>
@@ -7096,10 +6430,7 @@
               <a:t>в основных операциях, двойное хеширование обеспечивает достаточно быстрое время работы основных операций.</a:t>
             </a:r>
             <a:endParaRPr b="0" lang="en-US" sz="2400" spc="-1" strike="noStrike">
-              <a:solidFill>
-                <a:srgbClr val="ffffff"/>
-              </a:solidFill>
-              <a:latin typeface="Trebuchet MS"/>
+              <a:latin typeface="Arial"/>
             </a:endParaRPr>
           </a:p>
           <a:p>
@@ -7207,10 +6538,7 @@
               <a:t>двойное хеширование покажет все свои возможности в полной мере.</a:t>
             </a:r>
             <a:endParaRPr b="0" lang="en-US" sz="2400" spc="-1" strike="noStrike">
-              <a:solidFill>
-                <a:srgbClr val="ffffff"/>
-              </a:solidFill>
-              <a:latin typeface="Trebuchet MS"/>
+              <a:latin typeface="Arial"/>
             </a:endParaRPr>
           </a:p>
           <a:p>
@@ -7237,10 +6565,7 @@
               <a:t>В то же время выбор хеш-функций является основной проблемой использования двойного хеширования.</a:t>
             </a:r>
             <a:endParaRPr b="0" lang="en-US" sz="2400" spc="-1" strike="noStrike">
-              <a:solidFill>
-                <a:srgbClr val="ffffff"/>
-              </a:solidFill>
-              <a:latin typeface="Trebuchet MS"/>
+              <a:latin typeface="Arial"/>
             </a:endParaRPr>
           </a:p>
         </p:txBody>
@@ -7253,8 +6578,8 @@
         </p:nvSpPr>
         <p:spPr>
           <a:xfrm>
-            <a:off x="7229880" y="2172960"/>
-            <a:ext cx="4131720" cy="1795680"/>
+            <a:off x="7229880" y="2173680"/>
+            <a:ext cx="4131360" cy="1794240"/>
           </a:xfrm>
           <a:prstGeom prst="rect">
             <a:avLst/>
@@ -7273,7 +6598,7 @@
           <a:fontRef idx="minor"/>
         </p:style>
         <p:txBody>
-          <a:bodyPr numCol="1" spcCol="0" anchor="ctr">
+          <a:bodyPr numCol="1" spcCol="0" lIns="90000" rIns="90000" tIns="45000" bIns="45000" anchor="ctr">
             <a:spAutoFit/>
           </a:bodyPr>
           <a:p>
@@ -7658,8 +6983,8 @@
         </p:nvSpPr>
         <p:spPr>
           <a:xfrm>
-            <a:off x="6676920" y="4106520"/>
-            <a:ext cx="5244480" cy="2435040"/>
+            <a:off x="6676920" y="4107240"/>
+            <a:ext cx="5244120" cy="2433600"/>
           </a:xfrm>
           <a:prstGeom prst="rect">
             <a:avLst/>
@@ -7678,7 +7003,7 @@
           <a:fontRef idx="minor"/>
         </p:style>
         <p:txBody>
-          <a:bodyPr numCol="1" spcCol="0" anchor="ctr">
+          <a:bodyPr numCol="1" spcCol="0" lIns="90000" rIns="90000" tIns="45000" bIns="45000" anchor="ctr">
             <a:spAutoFit/>
           </a:bodyPr>
           <a:p>
@@ -8496,7 +7821,7 @@
         <p:spPr>
           <a:xfrm>
             <a:off x="680400" y="753120"/>
-            <a:ext cx="9613440" cy="1080720"/>
+            <a:ext cx="9613080" cy="1080360"/>
           </a:xfrm>
           <a:prstGeom prst="rect">
             <a:avLst/>
@@ -8507,7 +7832,7 @@
           </a:ln>
         </p:spPr>
         <p:txBody>
-          <a:bodyPr anchor="ctr">
+          <a:bodyPr lIns="90000" rIns="90000" tIns="45000" bIns="45000" anchor="ctr">
             <a:noAutofit/>
           </a:bodyPr>
           <a:p>
@@ -8520,7 +7845,7 @@
             <a:r>
               <a:rPr b="0" lang="ru-RU" sz="3600" spc="-1" strike="noStrike">
                 <a:solidFill>
-                  <a:srgbClr val="ffffff"/>
+                  <a:srgbClr val="000000"/>
                 </a:solidFill>
                 <a:latin typeface="Trebuchet MS"/>
               </a:rPr>
@@ -8528,9 +7853,9 @@
             </a:r>
             <a:endParaRPr b="0" lang="en-US" sz="3600" spc="-1" strike="noStrike">
               <a:solidFill>
-                <a:srgbClr val="ffffff"/>
+                <a:srgbClr val="000000"/>
               </a:solidFill>
-              <a:latin typeface="Trebuchet MS"/>
+              <a:latin typeface="Arial"/>
             </a:endParaRPr>
           </a:p>
         </p:txBody>
@@ -8548,7 +7873,7 @@
         <p:spPr>
           <a:xfrm>
             <a:off x="-154800" y="2127240"/>
-            <a:ext cx="6072840" cy="4357800"/>
+            <a:ext cx="6072480" cy="4357440"/>
           </a:xfrm>
           <a:prstGeom prst="rect">
             <a:avLst/>
@@ -8559,7 +7884,7 @@
           </a:ln>
         </p:spPr>
         <p:txBody>
-          <a:bodyPr anchor="t">
+          <a:bodyPr lIns="90000" rIns="90000" tIns="45000" bIns="45000" anchor="t">
             <a:normAutofit fontScale="96000"/>
           </a:bodyPr>
           <a:p>
@@ -8595,10 +7920,7 @@
               <a:t>Addhash + Jenkins, FNV + DJB2, KRHash + ELFHash.</a:t>
             </a:r>
             <a:endParaRPr b="0" lang="en-US" sz="2400" spc="-1" strike="noStrike">
-              <a:solidFill>
-                <a:srgbClr val="ffffff"/>
-              </a:solidFill>
-              <a:latin typeface="Trebuchet MS"/>
+              <a:latin typeface="Arial"/>
             </a:endParaRPr>
           </a:p>
           <a:p>
@@ -8661,10 +7983,7 @@
               <a:t>. Следуя проведённому анализу, работая в паре, в хеш-таблице с максимальной вместимостью 2млн. элементов при добавлении в неё до 700тыс. элементов не происходит ни одной коллизии.</a:t>
             </a:r>
             <a:endParaRPr b="0" lang="en-US" sz="2400" spc="-1" strike="noStrike">
-              <a:solidFill>
-                <a:srgbClr val="ffffff"/>
-              </a:solidFill>
-              <a:latin typeface="Trebuchet MS"/>
+              <a:latin typeface="Arial"/>
             </a:endParaRPr>
           </a:p>
         </p:txBody>
@@ -8682,7 +8001,7 @@
         <p:spPr>
           <a:xfrm>
             <a:off x="5918040" y="2127240"/>
-            <a:ext cx="6002640" cy="4357800"/>
+            <a:ext cx="6002280" cy="4357440"/>
           </a:xfrm>
           <a:prstGeom prst="rect">
             <a:avLst/>
@@ -8916,7 +8235,7 @@
         <p:spPr>
           <a:xfrm>
             <a:off x="680400" y="753120"/>
-            <a:ext cx="9613440" cy="1080720"/>
+            <a:ext cx="9613080" cy="1080360"/>
           </a:xfrm>
           <a:prstGeom prst="rect">
             <a:avLst/>
@@ -8927,7 +8246,7 @@
           </a:ln>
         </p:spPr>
         <p:txBody>
-          <a:bodyPr anchor="ctr">
+          <a:bodyPr lIns="90000" rIns="90000" tIns="45000" bIns="45000" anchor="ctr">
             <a:noAutofit/>
           </a:bodyPr>
           <a:p>
@@ -8940,7 +8259,7 @@
             <a:r>
               <a:rPr b="0" lang="ru-RU" sz="3600" spc="-1" strike="noStrike">
                 <a:solidFill>
-                  <a:srgbClr val="ffffff"/>
+                  <a:srgbClr val="000000"/>
                 </a:solidFill>
                 <a:latin typeface="Trebuchet MS"/>
               </a:rPr>
@@ -8948,9 +8267,9 @@
             </a:r>
             <a:endParaRPr b="0" lang="en-US" sz="3600" spc="-1" strike="noStrike">
               <a:solidFill>
-                <a:srgbClr val="ffffff"/>
+                <a:srgbClr val="000000"/>
               </a:solidFill>
-              <a:latin typeface="Trebuchet MS"/>
+              <a:latin typeface="Arial"/>
             </a:endParaRPr>
           </a:p>
         </p:txBody>
@@ -8968,7 +8287,7 @@
         <p:spPr>
           <a:xfrm>
             <a:off x="0" y="1983960"/>
-            <a:ext cx="5660280" cy="4825440"/>
+            <a:ext cx="5659920" cy="4825080"/>
           </a:xfrm>
           <a:prstGeom prst="rect">
             <a:avLst/>
@@ -8979,7 +8298,7 @@
           </a:ln>
         </p:spPr>
         <p:txBody>
-          <a:bodyPr anchor="t">
+          <a:bodyPr lIns="90000" rIns="90000" tIns="45000" bIns="45000" anchor="t">
             <a:noAutofit/>
           </a:bodyPr>
           <a:p>
@@ -9060,10 +8379,7 @@
               <a:t>использует битовый сдвиг и метод сложения. В результате, для похожих по своей структуре ключей генерируются абсолютно разные хеш-коды.</a:t>
             </a:r>
             <a:endParaRPr b="0" lang="en-US" sz="2400" spc="-1" strike="noStrike">
-              <a:solidFill>
-                <a:srgbClr val="ffffff"/>
-              </a:solidFill>
-              <a:latin typeface="Trebuchet MS"/>
+              <a:latin typeface="Arial"/>
             </a:endParaRPr>
           </a:p>
           <a:p>
@@ -9077,10 +8393,7 @@
               <a:buNone/>
             </a:pPr>
             <a:endParaRPr b="0" lang="en-US" sz="2400" spc="-1" strike="noStrike">
-              <a:solidFill>
-                <a:srgbClr val="ffffff"/>
-              </a:solidFill>
-              <a:latin typeface="Trebuchet MS"/>
+              <a:latin typeface="Arial"/>
             </a:endParaRPr>
           </a:p>
         </p:txBody>
@@ -9127,6 +8440,7 @@
                   <a:srgbClr val="000000"/>
                 </a:solidFill>
                 <a:latin typeface="Consolas"/>
+                <a:ea typeface="DejaVu Sans"/>
               </a:rPr>
               <a:t>unsigned int Hashtab::DJB2(const string &amp;s) {</a:t>
             </a:r>
@@ -9147,6 +8461,7 @@
                   <a:srgbClr val="000000"/>
                 </a:solidFill>
                 <a:latin typeface="Consolas"/>
+                <a:ea typeface="DejaVu Sans"/>
               </a:rPr>
               <a:t>  </a:t>
             </a:r>
@@ -9156,6 +8471,7 @@
                   <a:srgbClr val="000000"/>
                 </a:solidFill>
                 <a:latin typeface="Consolas"/>
+                <a:ea typeface="DejaVu Sans"/>
               </a:rPr>
               <a:t>unsigned long hash = 5381;</a:t>
             </a:r>
@@ -9176,6 +8492,7 @@
                   <a:srgbClr val="000000"/>
                 </a:solidFill>
                 <a:latin typeface="Consolas"/>
+                <a:ea typeface="DejaVu Sans"/>
               </a:rPr>
               <a:t>  </a:t>
             </a:r>
@@ -9185,6 +8502,7 @@
                   <a:srgbClr val="000000"/>
                 </a:solidFill>
                 <a:latin typeface="Consolas"/>
+                <a:ea typeface="DejaVu Sans"/>
               </a:rPr>
               <a:t>for (auto c : s) {</a:t>
             </a:r>
@@ -9205,6 +8523,7 @@
                   <a:srgbClr val="000000"/>
                 </a:solidFill>
                 <a:latin typeface="Consolas"/>
+                <a:ea typeface="DejaVu Sans"/>
               </a:rPr>
               <a:t>    </a:t>
             </a:r>
@@ -9214,6 +8533,7 @@
                   <a:srgbClr val="000000"/>
                 </a:solidFill>
                 <a:latin typeface="Consolas"/>
+                <a:ea typeface="DejaVu Sans"/>
               </a:rPr>
               <a:t>hash = (hash &lt;&lt; 5) + hash + c; /* hash * 33 + c */</a:t>
             </a:r>
@@ -9234,6 +8554,7 @@
                   <a:srgbClr val="000000"/>
                 </a:solidFill>
                 <a:latin typeface="Consolas"/>
+                <a:ea typeface="DejaVu Sans"/>
               </a:rPr>
               <a:t>  </a:t>
             </a:r>
@@ -9243,6 +8564,7 @@
                   <a:srgbClr val="000000"/>
                 </a:solidFill>
                 <a:latin typeface="Consolas"/>
+                <a:ea typeface="DejaVu Sans"/>
               </a:rPr>
               <a:t>}</a:t>
             </a:r>
@@ -9263,6 +8585,7 @@
                   <a:srgbClr val="000000"/>
                 </a:solidFill>
                 <a:latin typeface="Consolas"/>
+                <a:ea typeface="DejaVu Sans"/>
               </a:rPr>
               <a:t>  </a:t>
             </a:r>
@@ -9272,6 +8595,7 @@
                   <a:srgbClr val="000000"/>
                 </a:solidFill>
                 <a:latin typeface="Consolas"/>
+                <a:ea typeface="DejaVu Sans"/>
               </a:rPr>
               <a:t>return hash % SIZE_HT;</a:t>
             </a:r>
@@ -9292,6 +8616,7 @@
                   <a:srgbClr val="000000"/>
                 </a:solidFill>
                 <a:latin typeface="Consolas"/>
+                <a:ea typeface="DejaVu Sans"/>
               </a:rPr>
               <a:t>}</a:t>
             </a:r>
@@ -9343,6 +8668,7 @@
                   <a:srgbClr val="000000"/>
                 </a:solidFill>
                 <a:latin typeface="Consolas"/>
+                <a:ea typeface="DejaVu Sans"/>
               </a:rPr>
               <a:t>unsigned int Hashtab::FNVHash(const string &amp;str) {</a:t>
             </a:r>
@@ -9363,6 +8689,7 @@
                   <a:srgbClr val="000000"/>
                 </a:solidFill>
                 <a:latin typeface="Consolas"/>
+                <a:ea typeface="DejaVu Sans"/>
               </a:rPr>
               <a:t>  </a:t>
             </a:r>
@@ -9372,6 +8699,7 @@
                   <a:srgbClr val="000000"/>
                 </a:solidFill>
                 <a:latin typeface="Consolas"/>
+                <a:ea typeface="DejaVu Sans"/>
               </a:rPr>
               <a:t>const unsigned int fnv_prime = 0x811C9DC5;</a:t>
             </a:r>
@@ -9392,6 +8720,7 @@
                   <a:srgbClr val="000000"/>
                 </a:solidFill>
                 <a:latin typeface="Consolas"/>
+                <a:ea typeface="DejaVu Sans"/>
               </a:rPr>
               <a:t>  </a:t>
             </a:r>
@@ -9401,6 +8730,7 @@
                   <a:srgbClr val="000000"/>
                 </a:solidFill>
                 <a:latin typeface="Consolas"/>
+                <a:ea typeface="DejaVu Sans"/>
               </a:rPr>
               <a:t>unsigned int hash = 0;</a:t>
             </a:r>
@@ -9421,6 +8751,7 @@
                   <a:srgbClr val="000000"/>
                 </a:solidFill>
                 <a:latin typeface="Consolas"/>
+                <a:ea typeface="DejaVu Sans"/>
               </a:rPr>
               <a:t>  </a:t>
             </a:r>
@@ -9430,6 +8761,7 @@
                   <a:srgbClr val="000000"/>
                 </a:solidFill>
                 <a:latin typeface="Consolas"/>
+                <a:ea typeface="DejaVu Sans"/>
               </a:rPr>
               <a:t>unsigned int i = 0;</a:t>
             </a:r>
@@ -9450,6 +8782,7 @@
                   <a:srgbClr val="000000"/>
                 </a:solidFill>
                 <a:latin typeface="Consolas"/>
+                <a:ea typeface="DejaVu Sans"/>
               </a:rPr>
               <a:t>  </a:t>
             </a:r>
@@ -9459,6 +8792,7 @@
                   <a:srgbClr val="000000"/>
                 </a:solidFill>
                 <a:latin typeface="Consolas"/>
+                <a:ea typeface="DejaVu Sans"/>
               </a:rPr>
               <a:t>unsigned int len = str.length();</a:t>
             </a:r>
@@ -9471,6 +8805,7 @@
                   <a:srgbClr val="000000"/>
                 </a:solidFill>
                 <a:latin typeface="Consolas"/>
+                <a:ea typeface="DejaVu Sans"/>
               </a:rPr>
               <a:t>  for (i = 0; i &lt; len; i++) {</a:t>
             </a:r>
@@ -9491,6 +8826,7 @@
                   <a:srgbClr val="000000"/>
                 </a:solidFill>
                 <a:latin typeface="Consolas"/>
+                <a:ea typeface="DejaVu Sans"/>
               </a:rPr>
               <a:t>    </a:t>
             </a:r>
@@ -9500,6 +8836,7 @@
                   <a:srgbClr val="000000"/>
                 </a:solidFill>
                 <a:latin typeface="Consolas"/>
+                <a:ea typeface="DejaVu Sans"/>
               </a:rPr>
               <a:t>hash *= fnv_prime;</a:t>
             </a:r>
@@ -9520,6 +8857,7 @@
                   <a:srgbClr val="000000"/>
                 </a:solidFill>
                 <a:latin typeface="Consolas"/>
+                <a:ea typeface="DejaVu Sans"/>
               </a:rPr>
               <a:t>    </a:t>
             </a:r>
@@ -9529,6 +8867,7 @@
                   <a:srgbClr val="000000"/>
                 </a:solidFill>
                 <a:latin typeface="Consolas"/>
+                <a:ea typeface="DejaVu Sans"/>
               </a:rPr>
               <a:t>hash ^= (str[i]);</a:t>
             </a:r>
@@ -9549,6 +8888,7 @@
                   <a:srgbClr val="000000"/>
                 </a:solidFill>
                 <a:latin typeface="Consolas"/>
+                <a:ea typeface="DejaVu Sans"/>
               </a:rPr>
               <a:t>  </a:t>
             </a:r>
@@ -9558,6 +8898,7 @@
                   <a:srgbClr val="000000"/>
                 </a:solidFill>
                 <a:latin typeface="Consolas"/>
+                <a:ea typeface="DejaVu Sans"/>
               </a:rPr>
               <a:t>}</a:t>
             </a:r>
@@ -9570,6 +8911,7 @@
                   <a:srgbClr val="000000"/>
                 </a:solidFill>
                 <a:latin typeface="Consolas"/>
+                <a:ea typeface="DejaVu Sans"/>
               </a:rPr>
               <a:t>  return hash % SIZE_HT;</a:t>
             </a:r>
@@ -9590,6 +8932,7 @@
                   <a:srgbClr val="000000"/>
                 </a:solidFill>
                 <a:latin typeface="Consolas"/>
+                <a:ea typeface="DejaVu Sans"/>
               </a:rPr>
               <a:t>}</a:t>
             </a:r>
@@ -9608,7 +8951,7 @@
         <p:spPr>
           <a:xfrm>
             <a:off x="8187840" y="1978560"/>
-            <a:ext cx="679320" cy="363960"/>
+            <a:ext cx="678960" cy="363960"/>
           </a:xfrm>
           <a:prstGeom prst="rect">
             <a:avLst/>
@@ -9641,6 +8984,7 @@
                   <a:srgbClr val="ffffff"/>
                 </a:solidFill>
                 <a:latin typeface="Trebuchet MS"/>
+                <a:ea typeface="DejaVu Sans"/>
               </a:rPr>
               <a:t>DJB2</a:t>
             </a:r>
@@ -9659,7 +9003,7 @@
         <p:spPr>
           <a:xfrm>
             <a:off x="8187840" y="3675600"/>
-            <a:ext cx="581760" cy="363960"/>
+            <a:ext cx="581400" cy="363960"/>
           </a:xfrm>
           <a:prstGeom prst="rect">
             <a:avLst/>
@@ -9692,6 +9036,7 @@
                   <a:srgbClr val="ffffff"/>
                 </a:solidFill>
                 <a:latin typeface="Trebuchet MS"/>
+                <a:ea typeface="DejaVu Sans"/>
               </a:rPr>
               <a:t>FNV</a:t>
             </a:r>
@@ -9744,7 +9089,7 @@
         <p:spPr>
           <a:xfrm>
             <a:off x="680400" y="753120"/>
-            <a:ext cx="9613440" cy="1080720"/>
+            <a:ext cx="9613080" cy="1080360"/>
           </a:xfrm>
           <a:prstGeom prst="rect">
             <a:avLst/>
@@ -9755,7 +9100,7 @@
           </a:ln>
         </p:spPr>
         <p:txBody>
-          <a:bodyPr anchor="ctr">
+          <a:bodyPr lIns="90000" rIns="90000" tIns="45000" bIns="45000" anchor="ctr">
             <a:noAutofit/>
           </a:bodyPr>
           <a:p>
@@ -9768,7 +9113,7 @@
             <a:r>
               <a:rPr b="0" lang="ru-RU" sz="3600" spc="-1" strike="noStrike">
                 <a:solidFill>
-                  <a:srgbClr val="ffffff"/>
+                  <a:srgbClr val="000000"/>
                 </a:solidFill>
                 <a:latin typeface="Trebuchet MS"/>
               </a:rPr>
@@ -9776,9 +9121,9 @@
             </a:r>
             <a:endParaRPr b="0" lang="en-US" sz="3600" spc="-1" strike="noStrike">
               <a:solidFill>
-                <a:srgbClr val="ffffff"/>
+                <a:srgbClr val="000000"/>
               </a:solidFill>
-              <a:latin typeface="Trebuchet MS"/>
+              <a:latin typeface="Arial"/>
             </a:endParaRPr>
           </a:p>
         </p:txBody>
@@ -9796,7 +9141,7 @@
         <p:spPr>
           <a:xfrm>
             <a:off x="443160" y="2294640"/>
-            <a:ext cx="7329240" cy="4139640"/>
+            <a:ext cx="7328880" cy="4139280"/>
           </a:xfrm>
           <a:prstGeom prst="rect">
             <a:avLst/>
@@ -9807,7 +9152,7 @@
           </a:ln>
         </p:spPr>
         <p:txBody>
-          <a:bodyPr anchor="t">
+          <a:bodyPr lIns="90000" rIns="90000" tIns="45000" bIns="45000" anchor="t">
             <a:normAutofit fontScale="96000"/>
           </a:bodyPr>
           <a:p>
@@ -9846,10 +9191,7 @@
               <a:t>std::array&lt;std::pair&lt;std::string, int&gt;, SIZE&gt; *ht.</a:t>
             </a:r>
             <a:endParaRPr b="0" lang="en-US" sz="2400" spc="-1" strike="noStrike">
-              <a:solidFill>
-                <a:srgbClr val="ffffff"/>
-              </a:solidFill>
-              <a:latin typeface="Trebuchet MS"/>
+              <a:latin typeface="Arial"/>
             </a:endParaRPr>
           </a:p>
           <a:p>
@@ -9975,10 +9317,7 @@
               <a:t> int”.</a:t>
             </a:r>
             <a:endParaRPr b="0" lang="en-US" sz="2400" spc="-1" strike="noStrike">
-              <a:solidFill>
-                <a:srgbClr val="ffffff"/>
-              </a:solidFill>
-              <a:latin typeface="Trebuchet MS"/>
+              <a:latin typeface="Arial"/>
             </a:endParaRPr>
           </a:p>
           <a:p>
@@ -10041,10 +9380,7 @@
               <a:t>максимально оптимизированы и обеспечивают более безопасную работу с памятью, в отличие от статического массива.</a:t>
             </a:r>
             <a:endParaRPr b="0" lang="en-US" sz="2400" spc="-1" strike="noStrike">
-              <a:solidFill>
-                <a:srgbClr val="ffffff"/>
-              </a:solidFill>
-              <a:latin typeface="Trebuchet MS"/>
+              <a:latin typeface="Arial"/>
             </a:endParaRPr>
           </a:p>
         </p:txBody>
@@ -10062,7 +9398,7 @@
         <p:spPr>
           <a:xfrm>
             <a:off x="8438400" y="2294640"/>
-            <a:ext cx="2398680" cy="1499040"/>
+            <a:ext cx="2398320" cy="1498680"/>
           </a:xfrm>
           <a:prstGeom prst="rect">
             <a:avLst/>
@@ -10085,7 +9421,7 @@
         <p:spPr>
           <a:xfrm>
             <a:off x="8209080" y="4254480"/>
-            <a:ext cx="2857320" cy="2037960"/>
+            <a:ext cx="2856960" cy="2037600"/>
           </a:xfrm>
           <a:prstGeom prst="rect">
             <a:avLst/>
@@ -10403,7 +9739,7 @@
         <p:spPr>
           <a:xfrm>
             <a:off x="680400" y="753120"/>
-            <a:ext cx="9613440" cy="1080720"/>
+            <a:ext cx="9613080" cy="1080360"/>
           </a:xfrm>
           <a:prstGeom prst="rect">
             <a:avLst/>
@@ -10414,7 +9750,7 @@
           </a:ln>
         </p:spPr>
         <p:txBody>
-          <a:bodyPr anchor="ctr">
+          <a:bodyPr lIns="90000" rIns="90000" tIns="45000" bIns="45000" anchor="ctr">
             <a:noAutofit/>
           </a:bodyPr>
           <a:p>
@@ -10427,7 +9763,7 @@
             <a:r>
               <a:rPr b="0" lang="ru-RU" sz="3600" spc="-1" strike="noStrike">
                 <a:solidFill>
-                  <a:srgbClr val="ffffff"/>
+                  <a:srgbClr val="000000"/>
                 </a:solidFill>
                 <a:latin typeface="Trebuchet MS"/>
               </a:rPr>
@@ -10435,9 +9771,9 @@
             </a:r>
             <a:endParaRPr b="0" lang="en-US" sz="3600" spc="-1" strike="noStrike">
               <a:solidFill>
-                <a:srgbClr val="ffffff"/>
+                <a:srgbClr val="000000"/>
               </a:solidFill>
-              <a:latin typeface="Trebuchet MS"/>
+              <a:latin typeface="Arial"/>
             </a:endParaRPr>
           </a:p>
         </p:txBody>
@@ -10455,7 +9791,7 @@
         <p:spPr>
           <a:xfrm>
             <a:off x="-30960" y="2116800"/>
-            <a:ext cx="6126480" cy="3598920"/>
+            <a:ext cx="6126120" cy="3598560"/>
           </a:xfrm>
           <a:prstGeom prst="rect">
             <a:avLst/>
@@ -10466,7 +9802,7 @@
           </a:ln>
         </p:spPr>
         <p:txBody>
-          <a:bodyPr anchor="t">
+          <a:bodyPr lIns="90000" rIns="90000" tIns="45000" bIns="45000" anchor="t">
             <a:noAutofit/>
           </a:bodyPr>
           <a:p>
@@ -10493,10 +9829,7 @@
               <a:t>Хеш-таблицы широко применяются в базами данных и, в особенности, в языковых процессорах типа компиляторов и ассемблеров. </a:t>
             </a:r>
             <a:endParaRPr b="0" lang="en-US" sz="2000" spc="-1" strike="noStrike">
-              <a:solidFill>
-                <a:srgbClr val="ffffff"/>
-              </a:solidFill>
-              <a:latin typeface="Trebuchet MS"/>
+              <a:latin typeface="Arial"/>
             </a:endParaRPr>
           </a:p>
           <a:p>
@@ -10523,10 +9856,7 @@
               <a:t>В вышеупомянутых областях хеш-таблицы применяют для определения таблиц идентификаторов. В таких приложениях, таблица – наилучшая структура данных</a:t>
             </a:r>
             <a:endParaRPr b="0" lang="en-US" sz="2000" spc="-1" strike="noStrike">
-              <a:solidFill>
-                <a:srgbClr val="ffffff"/>
-              </a:solidFill>
-              <a:latin typeface="Trebuchet MS"/>
+              <a:latin typeface="Arial"/>
             </a:endParaRPr>
           </a:p>
           <a:p>
@@ -10553,10 +9883,7 @@
               <a:t>Соответственно, там, где применяются хеш таблицы, во многих случаях применяется открытая адресация. А, где применяется открытая адресация, там, соответственно, применяется двойное хеширование, так как является лучшим из себе подобных алгоритмов пробирования.</a:t>
             </a:r>
             <a:endParaRPr b="0" lang="en-US" sz="2000" spc="-1" strike="noStrike">
-              <a:solidFill>
-                <a:srgbClr val="ffffff"/>
-              </a:solidFill>
-              <a:latin typeface="Trebuchet MS"/>
+              <a:latin typeface="Arial"/>
             </a:endParaRPr>
           </a:p>
         </p:txBody>
@@ -10574,7 +9901,7 @@
         <p:spPr>
           <a:xfrm>
             <a:off x="6239880" y="2263680"/>
-            <a:ext cx="5762520" cy="1969200"/>
+            <a:ext cx="5762160" cy="1968840"/>
           </a:xfrm>
           <a:prstGeom prst="rect">
             <a:avLst/>
@@ -10597,7 +9924,7 @@
         <p:spPr>
           <a:xfrm>
             <a:off x="6239880" y="4233240"/>
-            <a:ext cx="5762520" cy="2388960"/>
+            <a:ext cx="5762160" cy="2388600"/>
           </a:xfrm>
           <a:prstGeom prst="rect">
             <a:avLst/>
@@ -10650,7 +9977,7 @@
         <p:spPr>
           <a:xfrm>
             <a:off x="680400" y="753120"/>
-            <a:ext cx="9613440" cy="1080720"/>
+            <a:ext cx="9613080" cy="1080360"/>
           </a:xfrm>
           <a:prstGeom prst="rect">
             <a:avLst/>
@@ -10661,7 +9988,7 @@
           </a:ln>
         </p:spPr>
         <p:txBody>
-          <a:bodyPr anchor="ctr">
+          <a:bodyPr lIns="90000" rIns="90000" tIns="45000" bIns="45000" anchor="ctr">
             <a:noAutofit/>
           </a:bodyPr>
           <a:p>
@@ -10674,7 +10001,7 @@
             <a:r>
               <a:rPr b="0" lang="ru-RU" sz="3600" spc="-1" strike="noStrike">
                 <a:solidFill>
-                  <a:srgbClr val="ffffff"/>
+                  <a:srgbClr val="000000"/>
                 </a:solidFill>
                 <a:latin typeface="Trebuchet MS"/>
               </a:rPr>
@@ -10682,9 +10009,9 @@
             </a:r>
             <a:endParaRPr b="0" lang="en-US" sz="3600" spc="-1" strike="noStrike">
               <a:solidFill>
-                <a:srgbClr val="ffffff"/>
+                <a:srgbClr val="000000"/>
               </a:solidFill>
-              <a:latin typeface="Trebuchet MS"/>
+              <a:latin typeface="Arial"/>
             </a:endParaRPr>
           </a:p>
         </p:txBody>
@@ -10702,7 +10029,7 @@
         <p:spPr>
           <a:xfrm>
             <a:off x="680400" y="2336760"/>
-            <a:ext cx="9613440" cy="3598920"/>
+            <a:ext cx="9613080" cy="3598560"/>
           </a:xfrm>
           <a:prstGeom prst="rect">
             <a:avLst/>
@@ -10713,7 +10040,7 @@
           </a:ln>
         </p:spPr>
         <p:txBody>
-          <a:bodyPr anchor="t">
+          <a:bodyPr lIns="90000" rIns="90000" tIns="45000" bIns="45000" anchor="t">
             <a:normAutofit/>
           </a:bodyPr>
           <a:p>
@@ -10740,10 +10067,7 @@
               <a:t>Используя алгоритм двойного хеширования, как метод пробирования в хеш-таблицах с открытой адресацией строковых ключей, был выполнен сравнительный анализ разных пар хеш-функций.</a:t>
             </a:r>
             <a:endParaRPr b="0" lang="en-US" sz="2800" spc="-1" strike="noStrike">
-              <a:solidFill>
-                <a:srgbClr val="ffffff"/>
-              </a:solidFill>
-              <a:latin typeface="Trebuchet MS"/>
+              <a:latin typeface="Arial"/>
             </a:endParaRPr>
           </a:p>
           <a:p>
@@ -10770,10 +10094,7 @@
               <a:t>В результате данного анализа было выяснено, что хеш-таблица работает достаточно эффективно, при удачном выборе двух хеш-функций.</a:t>
             </a:r>
             <a:endParaRPr b="0" lang="en-US" sz="2800" spc="-1" strike="noStrike">
-              <a:solidFill>
-                <a:srgbClr val="ffffff"/>
-              </a:solidFill>
-              <a:latin typeface="Trebuchet MS"/>
+              <a:latin typeface="Arial"/>
             </a:endParaRPr>
           </a:p>
         </p:txBody>
@@ -10821,7 +10142,7 @@
         <p:spPr>
           <a:xfrm>
             <a:off x="-228600" y="2733840"/>
-            <a:ext cx="9144000" cy="1372680"/>
+            <a:ext cx="9143640" cy="1372320"/>
           </a:xfrm>
           <a:prstGeom prst="rect">
             <a:avLst/>
@@ -10832,7 +10153,7 @@
           </a:ln>
         </p:spPr>
         <p:txBody>
-          <a:bodyPr anchor="b">
+          <a:bodyPr lIns="0" rIns="0" tIns="0" bIns="0" anchor="b">
             <a:noAutofit/>
           </a:bodyPr>
           <a:p>
@@ -10845,7 +10166,7 @@
             <a:r>
               <a:rPr b="0" lang="ja-JP" sz="4800" spc="-1" strike="noStrike">
                 <a:solidFill>
-                  <a:srgbClr val="ffffff"/>
+                  <a:srgbClr val="000000"/>
                 </a:solidFill>
                 <a:latin typeface="Cascadia Code"/>
               </a:rPr>
@@ -10854,7 +10175,7 @@
             <a:r>
               <a:rPr b="0" lang="en-US" sz="4800" spc="-1" strike="noStrike">
                 <a:solidFill>
-                  <a:srgbClr val="ffffff"/>
+                  <a:srgbClr val="000000"/>
                 </a:solidFill>
                 <a:latin typeface="Cascadia Code"/>
                 <a:ea typeface="Cascadia Code"/>
@@ -10863,9 +10184,9 @@
             </a:r>
             <a:endParaRPr b="0" lang="en-US" sz="4800" spc="-1" strike="noStrike">
               <a:solidFill>
-                <a:srgbClr val="ffffff"/>
+                <a:srgbClr val="000000"/>
               </a:solidFill>
-              <a:latin typeface="Trebuchet MS"/>
+              <a:latin typeface="Arial"/>
             </a:endParaRPr>
           </a:p>
         </p:txBody>
